--- a/Hate speech Analysis.pptx
+++ b/Hate speech Analysis.pptx
@@ -857,7 +857,7 @@
         </p:nvSpPr>
         <p:spPr>
           <a:xfrm>
-            <a:off x="381300" y="685800"/>
+            <a:off x="381000" y="685800"/>
             <a:ext cx="6096000" cy="3429000"/>
           </a:xfrm>
           <a:custGeom>
@@ -961,7 +961,7 @@
         </p:nvSpPr>
         <p:spPr>
           <a:xfrm>
-            <a:off x="381300" y="685800"/>
+            <a:off x="381000" y="685800"/>
             <a:ext cx="6096000" cy="3429000"/>
           </a:xfrm>
           <a:custGeom>
@@ -1273,7 +1273,7 @@
         </p:nvSpPr>
         <p:spPr>
           <a:xfrm>
-            <a:off x="381300" y="685800"/>
+            <a:off x="381000" y="685800"/>
             <a:ext cx="6096000" cy="3429000"/>
           </a:xfrm>
           <a:custGeom>
@@ -1689,7 +1689,7 @@
         </p:nvSpPr>
         <p:spPr>
           <a:xfrm>
-            <a:off x="381300" y="685800"/>
+            <a:off x="381000" y="685800"/>
             <a:ext cx="6096000" cy="3429000"/>
           </a:xfrm>
           <a:custGeom>
@@ -15881,22 +15881,26 @@
               <a:buNone/>
             </a:pPr>
             <a:r>
-              <a:rPr lang="en" sz="1600"/>
+              <a:rPr lang="en" sz="1600" dirty="0"/>
               <a:t>Utilizarea</a:t>
             </a:r>
             <a:r>
-              <a:rPr lang="en" sz="1600" i="1"/>
+              <a:rPr lang="en" sz="1600" i="1" dirty="0"/>
               <a:t> n-gramelor</a:t>
             </a:r>
             <a:r>
-              <a:rPr lang="en" sz="1600"/>
-              <a:t> în TF-IDF a crescut semnificativ performanța modelelor, cu </a:t>
+              <a:rPr lang="en" sz="1600" dirty="0"/>
+              <a:t> în TF-IDF a crescut semnificativ performanța modelelor, mai precis cu </a:t>
             </a:r>
             <a:r>
-              <a:rPr lang="en" sz="1600" b="1"/>
+              <a:rPr lang="en" sz="1600" b="1" dirty="0"/>
               <a:t>~6%</a:t>
             </a:r>
-            <a:endParaRPr sz="1600" b="1"/>
+            <a:r>
+              <a:rPr lang="ro-RO" sz="1600" dirty="0"/>
+              <a:t>.</a:t>
+            </a:r>
+            <a:endParaRPr sz="1600" dirty="0"/>
           </a:p>
           <a:p>
             <a:pPr marL="0" lvl="0" indent="0" algn="l" rtl="0">
@@ -15908,7 +15912,7 @@
               </a:spcAft>
               <a:buNone/>
             </a:pPr>
-            <a:endParaRPr sz="1600" b="1"/>
+            <a:endParaRPr sz="1600" b="1" dirty="0"/>
           </a:p>
           <a:p>
             <a:pPr marL="0" lvl="0" indent="457200" algn="l" rtl="0">
@@ -15921,26 +15925,30 @@
               <a:buNone/>
             </a:pPr>
             <a:r>
-              <a:rPr lang="en" sz="1600"/>
+              <a:rPr lang="en" sz="1600" dirty="0"/>
               <a:t>Păstrarea conținutului </a:t>
             </a:r>
             <a:r>
-              <a:rPr lang="en" sz="1600" i="1"/>
+              <a:rPr lang="en" sz="1600" i="1" dirty="0"/>
               <a:t>hashtag</a:t>
             </a:r>
             <a:r>
-              <a:rPr lang="en" sz="1600"/>
+              <a:rPr lang="en" sz="1600" dirty="0"/>
               <a:t>-urilor în TF-IDF a adus o îmbunătățire de </a:t>
             </a:r>
             <a:r>
-              <a:rPr lang="en" sz="1600" b="1"/>
+              <a:rPr lang="en" sz="1600" b="1" dirty="0"/>
               <a:t>~5%</a:t>
             </a:r>
             <a:r>
-              <a:rPr lang="en" sz="1600"/>
+              <a:rPr lang="en" sz="1600" dirty="0"/>
               <a:t> în majoritatea modelelor</a:t>
             </a:r>
-            <a:endParaRPr sz="1600"/>
+            <a:r>
+              <a:rPr lang="ro-RO" sz="1600" dirty="0"/>
+              <a:t>.</a:t>
+            </a:r>
+            <a:endParaRPr sz="1600" dirty="0"/>
           </a:p>
         </p:txBody>
       </p:sp>
@@ -16040,7 +16048,7 @@
         </p:spPr>
         <p:txBody>
           <a:bodyPr spcFirstLastPara="1" wrap="square" lIns="91425" tIns="91425" rIns="91425" bIns="91425" anchor="t" anchorCtr="0">
-            <a:normAutofit/>
+            <a:normAutofit lnSpcReduction="10000"/>
           </a:bodyPr>
           <a:lstStyle/>
           <a:p>
@@ -17070,7 +17078,7 @@
         </p:spPr>
         <p:txBody>
           <a:bodyPr spcFirstLastPara="1" wrap="square" lIns="91425" tIns="91425" rIns="91425" bIns="91425" anchor="t" anchorCtr="0">
-            <a:normAutofit lnSpcReduction="20000"/>
+            <a:normAutofit fontScale="92500"/>
           </a:bodyPr>
           <a:lstStyle/>
           <a:p>
@@ -17188,7 +17196,7 @@
         </p:spPr>
         <p:txBody>
           <a:bodyPr spcFirstLastPara="1" wrap="square" lIns="91425" tIns="91425" rIns="91425" bIns="91425" anchor="t" anchorCtr="0">
-            <a:normAutofit lnSpcReduction="10000"/>
+            <a:normAutofit fontScale="92500"/>
           </a:bodyPr>
           <a:lstStyle/>
           <a:p>
@@ -18183,7 +18191,7 @@
             </a:pPr>
             <a:r>
               <a:rPr lang="en" sz="1200" dirty="0"/>
-              <a:t>Pentru clasificarea datelor, am folosit un model Deep Neural Network, layerele fiind de natura 300 x 128 x 128 x 2 (300 fiind dimensiunea unui feature, iar 2 este pentru outputul binar: hate, non-hate).</a:t>
+              <a:t>Pentru clasificarea datelor, am folosit un model Deep Neural Network, layerele fiind de natura 300 x 256 x 256 x 2 (300 fiind dimensiunea unui feature, iar 2 este pentru outputul binar: hate, non-hate).</a:t>
             </a:r>
             <a:endParaRPr sz="1200" dirty="0"/>
           </a:p>
@@ -18199,7 +18207,7 @@
             </a:pPr>
             <a:r>
               <a:rPr lang="en" sz="1200" dirty="0"/>
-              <a:t>Am folosit functia Adam pentru optimizarea modelului cu learning_rate = 0.001 si CrossEntropyLoss.</a:t>
+              <a:t>Am folosit CrossEntropyLoss pe post de functie de pierdere si functia Adam pentru optimizarea modelului cu learning_rate = 0.001.</a:t>
             </a:r>
             <a:endParaRPr sz="1200" dirty="0"/>
           </a:p>
@@ -18342,30 +18350,32 @@
       </p:sp>
       <p:pic>
         <p:nvPicPr>
-          <p:cNvPr id="341" name="Google Shape;341;p21"/>
-          <p:cNvPicPr preferRelativeResize="0"/>
+          <p:cNvPr id="3" name="Picture 2">
+            <a:extLst>
+              <a:ext uri="{FF2B5EF4-FFF2-40B4-BE49-F238E27FC236}">
+                <a16:creationId xmlns:a16="http://schemas.microsoft.com/office/drawing/2014/main" id="{AD7D547F-2FA1-2DEC-604B-46D318E20009}"/>
+              </a:ext>
+            </a:extLst>
+          </p:cNvPr>
+          <p:cNvPicPr>
+            <a:picLocks noChangeAspect="1"/>
+          </p:cNvPicPr>
           <p:nvPr/>
         </p:nvPicPr>
         <p:blipFill>
-          <a:blip r:embed="rId3">
-            <a:alphaModFix/>
-          </a:blip>
+          <a:blip r:embed="rId3"/>
           <a:stretch>
             <a:fillRect/>
           </a:stretch>
         </p:blipFill>
         <p:spPr>
           <a:xfrm>
-            <a:off x="1237925" y="1597875"/>
-            <a:ext cx="7162255" cy="3240824"/>
+            <a:off x="1354690" y="1597875"/>
+            <a:ext cx="6434619" cy="2924827"/>
           </a:xfrm>
           <a:prstGeom prst="rect">
             <a:avLst/>
           </a:prstGeom>
-          <a:noFill/>
-          <a:ln>
-            <a:noFill/>
-          </a:ln>
         </p:spPr>
       </p:pic>
     </p:spTree>

--- a/Hate speech Analysis.pptx
+++ b/Hate speech Analysis.pptx
@@ -5,7 +5,7 @@
     <p:sldMasterId id="2147483659" r:id="rId1"/>
   </p:sldMasterIdLst>
   <p:notesMasterIdLst>
-    <p:notesMasterId r:id="rId12"/>
+    <p:notesMasterId r:id="rId13"/>
   </p:notesMasterIdLst>
   <p:sldIdLst>
     <p:sldId id="256" r:id="rId2"/>
@@ -14,25 +14,26 @@
     <p:sldId id="259" r:id="rId5"/>
     <p:sldId id="260" r:id="rId6"/>
     <p:sldId id="261" r:id="rId7"/>
-    <p:sldId id="262" r:id="rId8"/>
-    <p:sldId id="263" r:id="rId9"/>
-    <p:sldId id="264" r:id="rId10"/>
+    <p:sldId id="263" r:id="rId8"/>
+    <p:sldId id="264" r:id="rId9"/>
+    <p:sldId id="262" r:id="rId10"/>
     <p:sldId id="265" r:id="rId11"/>
+    <p:sldId id="266" r:id="rId12"/>
   </p:sldIdLst>
   <p:sldSz cx="9144000" cy="5143500" type="screen16x9"/>
   <p:notesSz cx="6858000" cy="9144000"/>
   <p:embeddedFontLst>
     <p:embeddedFont>
       <p:font typeface="Maven Pro" panose="020B0604020202020204" charset="0"/>
-      <p:regular r:id="rId13"/>
-      <p:bold r:id="rId14"/>
+      <p:regular r:id="rId14"/>
+      <p:bold r:id="rId15"/>
     </p:embeddedFont>
     <p:embeddedFont>
       <p:font typeface="Nunito" pitchFamily="2" charset="0"/>
-      <p:regular r:id="rId15"/>
-      <p:bold r:id="rId16"/>
-      <p:italic r:id="rId17"/>
-      <p:boldItalic r:id="rId18"/>
+      <p:regular r:id="rId16"/>
+      <p:bold r:id="rId17"/>
+      <p:italic r:id="rId18"/>
+      <p:boldItalic r:id="rId19"/>
     </p:embeddedFont>
   </p:embeddedFontLst>
   <p:defaultTextStyle>
@@ -932,6 +933,133 @@
 </p:notes>
 </file>
 
+<file path=ppt/notesSlides/notesSlide11.xml><?xml version="1.0" encoding="utf-8"?>
+<p:notes xmlns:a="http://schemas.openxmlformats.org/drawingml/2006/main" xmlns:r="http://schemas.openxmlformats.org/officeDocument/2006/relationships" xmlns:p="http://schemas.openxmlformats.org/presentationml/2006/main" showMasterSp="0" showMasterPhAnim="0">
+  <p:cSld>
+    <p:spTree>
+      <p:nvGrpSpPr>
+        <p:cNvPr id="1" name="Shape 342">
+          <a:extLst>
+            <a:ext uri="{FF2B5EF4-FFF2-40B4-BE49-F238E27FC236}">
+              <a16:creationId xmlns:a16="http://schemas.microsoft.com/office/drawing/2014/main" id="{F961F7CE-FA0F-7BAA-141A-63C8BEA49DFD}"/>
+            </a:ext>
+          </a:extLst>
+        </p:cNvPr>
+        <p:cNvGrpSpPr/>
+        <p:nvPr/>
+      </p:nvGrpSpPr>
+      <p:grpSpPr>
+        <a:xfrm>
+          <a:off x="0" y="0"/>
+          <a:ext cx="0" cy="0"/>
+          <a:chOff x="0" y="0"/>
+          <a:chExt cx="0" cy="0"/>
+        </a:xfrm>
+      </p:grpSpPr>
+      <p:sp>
+        <p:nvSpPr>
+          <p:cNvPr id="343" name="Google Shape;343;g2482f49682b_0_5:notes">
+            <a:extLst>
+              <a:ext uri="{FF2B5EF4-FFF2-40B4-BE49-F238E27FC236}">
+                <a16:creationId xmlns:a16="http://schemas.microsoft.com/office/drawing/2014/main" id="{E7F884B0-BB68-B496-5FDB-279A248D6992}"/>
+              </a:ext>
+            </a:extLst>
+          </p:cNvPr>
+          <p:cNvSpPr>
+            <a:spLocks noGrp="1" noRot="1" noChangeAspect="1"/>
+          </p:cNvSpPr>
+          <p:nvPr>
+            <p:ph type="sldImg" idx="2"/>
+          </p:nvPr>
+        </p:nvSpPr>
+        <p:spPr>
+          <a:xfrm>
+            <a:off x="381000" y="685800"/>
+            <a:ext cx="6096000" cy="3429000"/>
+          </a:xfrm>
+          <a:custGeom>
+            <a:avLst/>
+            <a:gdLst/>
+            <a:ahLst/>
+            <a:cxnLst/>
+            <a:rect l="l" t="t" r="r" b="b"/>
+            <a:pathLst>
+              <a:path w="120000" h="120000" extrusionOk="0">
+                <a:moveTo>
+                  <a:pt x="0" y="0"/>
+                </a:moveTo>
+                <a:lnTo>
+                  <a:pt x="120000" y="0"/>
+                </a:lnTo>
+                <a:lnTo>
+                  <a:pt x="120000" y="120000"/>
+                </a:lnTo>
+                <a:lnTo>
+                  <a:pt x="0" y="120000"/>
+                </a:lnTo>
+                <a:close/>
+              </a:path>
+            </a:pathLst>
+          </a:custGeom>
+        </p:spPr>
+      </p:sp>
+      <p:sp>
+        <p:nvSpPr>
+          <p:cNvPr id="344" name="Google Shape;344;g2482f49682b_0_5:notes">
+            <a:extLst>
+              <a:ext uri="{FF2B5EF4-FFF2-40B4-BE49-F238E27FC236}">
+                <a16:creationId xmlns:a16="http://schemas.microsoft.com/office/drawing/2014/main" id="{447F63D2-323D-5FD5-1825-C13AEC1DBC49}"/>
+              </a:ext>
+            </a:extLst>
+          </p:cNvPr>
+          <p:cNvSpPr txBox="1">
+            <a:spLocks noGrp="1"/>
+          </p:cNvSpPr>
+          <p:nvPr>
+            <p:ph type="body" idx="1"/>
+          </p:nvPr>
+        </p:nvSpPr>
+        <p:spPr>
+          <a:xfrm>
+            <a:off x="685800" y="4343400"/>
+            <a:ext cx="5486400" cy="4114800"/>
+          </a:xfrm>
+          <a:prstGeom prst="rect">
+            <a:avLst/>
+          </a:prstGeom>
+        </p:spPr>
+        <p:txBody>
+          <a:bodyPr spcFirstLastPara="1" wrap="square" lIns="91425" tIns="91425" rIns="91425" bIns="91425" anchor="t" anchorCtr="0">
+            <a:noAutofit/>
+          </a:bodyPr>
+          <a:lstStyle/>
+          <a:p>
+            <a:pPr marL="0" lvl="0" indent="0" algn="l" rtl="0">
+              <a:spcBef>
+                <a:spcPts val="0"/>
+              </a:spcBef>
+              <a:spcAft>
+                <a:spcPts val="0"/>
+              </a:spcAft>
+              <a:buNone/>
+            </a:pPr>
+            <a:endParaRPr/>
+          </a:p>
+        </p:txBody>
+      </p:sp>
+    </p:spTree>
+    <p:extLst>
+      <p:ext uri="{BB962C8B-B14F-4D97-AF65-F5344CB8AC3E}">
+        <p14:creationId xmlns:p14="http://schemas.microsoft.com/office/powerpoint/2010/main" val="1548141711"/>
+      </p:ext>
+    </p:extLst>
+  </p:cSld>
+  <p:clrMapOvr>
+    <a:masterClrMapping/>
+  </p:clrMapOvr>
+</p:notes>
+</file>
+
 <file path=ppt/notesSlides/notesSlide2.xml><?xml version="1.0" encoding="utf-8"?>
 <p:notes xmlns:a="http://schemas.openxmlformats.org/drawingml/2006/main" xmlns:r="http://schemas.openxmlformats.org/officeDocument/2006/relationships" xmlns:p="http://schemas.openxmlformats.org/presentationml/2006/main" showMasterSp="0" showMasterPhAnim="0">
   <p:cSld>
@@ -1065,7 +1193,7 @@
         </p:nvSpPr>
         <p:spPr>
           <a:xfrm>
-            <a:off x="381300" y="685800"/>
+            <a:off x="381000" y="685800"/>
             <a:ext cx="6096000" cy="3429000"/>
           </a:xfrm>
           <a:custGeom>
@@ -1457,110 +1585,6 @@
   <p:cSld>
     <p:spTree>
       <p:nvGrpSpPr>
-        <p:cNvPr id="1" name="Shape 316"/>
-        <p:cNvGrpSpPr/>
-        <p:nvPr/>
-      </p:nvGrpSpPr>
-      <p:grpSpPr>
-        <a:xfrm>
-          <a:off x="0" y="0"/>
-          <a:ext cx="0" cy="0"/>
-          <a:chOff x="0" y="0"/>
-          <a:chExt cx="0" cy="0"/>
-        </a:xfrm>
-      </p:grpSpPr>
-      <p:sp>
-        <p:nvSpPr>
-          <p:cNvPr id="317" name="Google Shape;317;g24820436e0f_0_2115:notes"/>
-          <p:cNvSpPr>
-            <a:spLocks noGrp="1" noRot="1" noChangeAspect="1"/>
-          </p:cNvSpPr>
-          <p:nvPr>
-            <p:ph type="sldImg" idx="2"/>
-          </p:nvPr>
-        </p:nvSpPr>
-        <p:spPr>
-          <a:xfrm>
-            <a:off x="381300" y="685800"/>
-            <a:ext cx="6096000" cy="3429000"/>
-          </a:xfrm>
-          <a:custGeom>
-            <a:avLst/>
-            <a:gdLst/>
-            <a:ahLst/>
-            <a:cxnLst/>
-            <a:rect l="l" t="t" r="r" b="b"/>
-            <a:pathLst>
-              <a:path w="120000" h="120000" extrusionOk="0">
-                <a:moveTo>
-                  <a:pt x="0" y="0"/>
-                </a:moveTo>
-                <a:lnTo>
-                  <a:pt x="120000" y="0"/>
-                </a:lnTo>
-                <a:lnTo>
-                  <a:pt x="120000" y="120000"/>
-                </a:lnTo>
-                <a:lnTo>
-                  <a:pt x="0" y="120000"/>
-                </a:lnTo>
-                <a:close/>
-              </a:path>
-            </a:pathLst>
-          </a:custGeom>
-        </p:spPr>
-      </p:sp>
-      <p:sp>
-        <p:nvSpPr>
-          <p:cNvPr id="318" name="Google Shape;318;g24820436e0f_0_2115:notes"/>
-          <p:cNvSpPr txBox="1">
-            <a:spLocks noGrp="1"/>
-          </p:cNvSpPr>
-          <p:nvPr>
-            <p:ph type="body" idx="1"/>
-          </p:nvPr>
-        </p:nvSpPr>
-        <p:spPr>
-          <a:xfrm>
-            <a:off x="685800" y="4343400"/>
-            <a:ext cx="5486400" cy="4114800"/>
-          </a:xfrm>
-          <a:prstGeom prst="rect">
-            <a:avLst/>
-          </a:prstGeom>
-        </p:spPr>
-        <p:txBody>
-          <a:bodyPr spcFirstLastPara="1" wrap="square" lIns="91425" tIns="91425" rIns="91425" bIns="91425" anchor="t" anchorCtr="0">
-            <a:noAutofit/>
-          </a:bodyPr>
-          <a:lstStyle/>
-          <a:p>
-            <a:pPr marL="0" lvl="0" indent="0" algn="l" rtl="0">
-              <a:spcBef>
-                <a:spcPts val="0"/>
-              </a:spcBef>
-              <a:spcAft>
-                <a:spcPts val="0"/>
-              </a:spcAft>
-              <a:buNone/>
-            </a:pPr>
-            <a:endParaRPr/>
-          </a:p>
-        </p:txBody>
-      </p:sp>
-    </p:spTree>
-  </p:cSld>
-  <p:clrMapOvr>
-    <a:masterClrMapping/>
-  </p:clrMapOvr>
-</p:notes>
-</file>
-
-<file path=ppt/notesSlides/notesSlide8.xml><?xml version="1.0" encoding="utf-8"?>
-<p:notes xmlns:a="http://schemas.openxmlformats.org/drawingml/2006/main" xmlns:r="http://schemas.openxmlformats.org/officeDocument/2006/relationships" xmlns:p="http://schemas.openxmlformats.org/presentationml/2006/main" showMasterSp="0" showMasterPhAnim="0">
-  <p:cSld>
-    <p:spTree>
-      <p:nvGrpSpPr>
         <p:cNvPr id="1" name="Shape 328"/>
         <p:cNvGrpSpPr/>
         <p:nvPr/>
@@ -1660,7 +1684,7 @@
 </p:notes>
 </file>
 
-<file path=ppt/notesSlides/notesSlide9.xml><?xml version="1.0" encoding="utf-8"?>
+<file path=ppt/notesSlides/notesSlide8.xml><?xml version="1.0" encoding="utf-8"?>
 <p:notes xmlns:a="http://schemas.openxmlformats.org/drawingml/2006/main" xmlns:r="http://schemas.openxmlformats.org/officeDocument/2006/relationships" xmlns:p="http://schemas.openxmlformats.org/presentationml/2006/main" showMasterSp="0" showMasterPhAnim="0">
   <p:cSld>
     <p:spTree>
@@ -1721,6 +1745,110 @@
       <p:sp>
         <p:nvSpPr>
           <p:cNvPr id="338" name="Google Shape;338;g24833e4f84a_2_2:notes"/>
+          <p:cNvSpPr txBox="1">
+            <a:spLocks noGrp="1"/>
+          </p:cNvSpPr>
+          <p:nvPr>
+            <p:ph type="body" idx="1"/>
+          </p:nvPr>
+        </p:nvSpPr>
+        <p:spPr>
+          <a:xfrm>
+            <a:off x="685800" y="4343400"/>
+            <a:ext cx="5486400" cy="4114800"/>
+          </a:xfrm>
+          <a:prstGeom prst="rect">
+            <a:avLst/>
+          </a:prstGeom>
+        </p:spPr>
+        <p:txBody>
+          <a:bodyPr spcFirstLastPara="1" wrap="square" lIns="91425" tIns="91425" rIns="91425" bIns="91425" anchor="t" anchorCtr="0">
+            <a:noAutofit/>
+          </a:bodyPr>
+          <a:lstStyle/>
+          <a:p>
+            <a:pPr marL="0" lvl="0" indent="0" algn="l" rtl="0">
+              <a:spcBef>
+                <a:spcPts val="0"/>
+              </a:spcBef>
+              <a:spcAft>
+                <a:spcPts val="0"/>
+              </a:spcAft>
+              <a:buNone/>
+            </a:pPr>
+            <a:endParaRPr/>
+          </a:p>
+        </p:txBody>
+      </p:sp>
+    </p:spTree>
+  </p:cSld>
+  <p:clrMapOvr>
+    <a:masterClrMapping/>
+  </p:clrMapOvr>
+</p:notes>
+</file>
+
+<file path=ppt/notesSlides/notesSlide9.xml><?xml version="1.0" encoding="utf-8"?>
+<p:notes xmlns:a="http://schemas.openxmlformats.org/drawingml/2006/main" xmlns:r="http://schemas.openxmlformats.org/officeDocument/2006/relationships" xmlns:p="http://schemas.openxmlformats.org/presentationml/2006/main" showMasterSp="0" showMasterPhAnim="0">
+  <p:cSld>
+    <p:spTree>
+      <p:nvGrpSpPr>
+        <p:cNvPr id="1" name="Shape 316"/>
+        <p:cNvGrpSpPr/>
+        <p:nvPr/>
+      </p:nvGrpSpPr>
+      <p:grpSpPr>
+        <a:xfrm>
+          <a:off x="0" y="0"/>
+          <a:ext cx="0" cy="0"/>
+          <a:chOff x="0" y="0"/>
+          <a:chExt cx="0" cy="0"/>
+        </a:xfrm>
+      </p:grpSpPr>
+      <p:sp>
+        <p:nvSpPr>
+          <p:cNvPr id="317" name="Google Shape;317;g24820436e0f_0_2115:notes"/>
+          <p:cNvSpPr>
+            <a:spLocks noGrp="1" noRot="1" noChangeAspect="1"/>
+          </p:cNvSpPr>
+          <p:nvPr>
+            <p:ph type="sldImg" idx="2"/>
+          </p:nvPr>
+        </p:nvSpPr>
+        <p:spPr>
+          <a:xfrm>
+            <a:off x="381000" y="685800"/>
+            <a:ext cx="6096000" cy="3429000"/>
+          </a:xfrm>
+          <a:custGeom>
+            <a:avLst/>
+            <a:gdLst/>
+            <a:ahLst/>
+            <a:cxnLst/>
+            <a:rect l="l" t="t" r="r" b="b"/>
+            <a:pathLst>
+              <a:path w="120000" h="120000" extrusionOk="0">
+                <a:moveTo>
+                  <a:pt x="0" y="0"/>
+                </a:moveTo>
+                <a:lnTo>
+                  <a:pt x="120000" y="0"/>
+                </a:lnTo>
+                <a:lnTo>
+                  <a:pt x="120000" y="120000"/>
+                </a:lnTo>
+                <a:lnTo>
+                  <a:pt x="0" y="120000"/>
+                </a:lnTo>
+                <a:close/>
+              </a:path>
+            </a:pathLst>
+          </a:custGeom>
+        </p:spPr>
+      </p:sp>
+      <p:sp>
+        <p:nvSpPr>
+          <p:cNvPr id="318" name="Google Shape;318;g24820436e0f_0_2115:notes"/>
           <p:cNvSpPr txBox="1">
             <a:spLocks noGrp="1"/>
           </p:cNvSpPr>
@@ -15839,10 +15967,10 @@
               <a:buNone/>
             </a:pPr>
             <a:r>
-              <a:rPr lang="en"/>
-              <a:t>Observatii</a:t>
-            </a:r>
-            <a:endParaRPr/>
+              <a:rPr lang="en" dirty="0"/>
+              <a:t>6. Observatii</a:t>
+            </a:r>
+            <a:endParaRPr dirty="0"/>
           </a:p>
         </p:txBody>
       </p:sp>
@@ -15858,8 +15986,8 @@
         </p:nvSpPr>
         <p:spPr>
           <a:xfrm>
-            <a:off x="1929600" y="1916600"/>
-            <a:ext cx="5778900" cy="2541600"/>
+            <a:off x="617387" y="1823158"/>
+            <a:ext cx="7615550" cy="1789213"/>
           </a:xfrm>
           <a:prstGeom prst="rect">
             <a:avLst/>
@@ -15871,7 +15999,7 @@
           </a:bodyPr>
           <a:lstStyle/>
           <a:p>
-            <a:pPr marL="0" lvl="0" indent="457200" algn="l" rtl="0">
+            <a:pPr marL="0" lvl="0" indent="457200" algn="just" rtl="0">
               <a:spcBef>
                 <a:spcPts val="0"/>
               </a:spcBef>
@@ -15881,78 +16009,890 @@
               <a:buNone/>
             </a:pPr>
             <a:r>
-              <a:rPr lang="en" sz="1600" dirty="0"/>
-              <a:t>Utilizarea</a:t>
-            </a:r>
-            <a:r>
-              <a:rPr lang="en" sz="1600" i="1" dirty="0"/>
-              <a:t> n-gramelor</a:t>
-            </a:r>
-            <a:r>
-              <a:rPr lang="en" sz="1600" dirty="0"/>
-              <a:t> în TF-IDF a crescut semnificativ performanța modelelor, mai precis cu </a:t>
-            </a:r>
-            <a:r>
-              <a:rPr lang="en" sz="1600" b="1" dirty="0"/>
-              <a:t>~6%</a:t>
-            </a:r>
-            <a:r>
-              <a:rPr lang="ro-RO" sz="1600" dirty="0"/>
-              <a:t>.</a:t>
-            </a:r>
-            <a:endParaRPr sz="1600" dirty="0"/>
+              <a:rPr lang="en-US" sz="1400" dirty="0" err="1"/>
+              <a:t>Modificarile</a:t>
+            </a:r>
+            <a:r>
+              <a:rPr lang="en-US" sz="1400" dirty="0"/>
+              <a:t> </a:t>
+            </a:r>
+            <a:r>
+              <a:rPr lang="en-US" sz="1400" dirty="0" err="1"/>
+              <a:t>principale</a:t>
+            </a:r>
+            <a:r>
+              <a:rPr lang="en-US" sz="1400" dirty="0"/>
+              <a:t> </a:t>
+            </a:r>
+            <a:r>
+              <a:rPr lang="en-US" sz="1400" dirty="0" err="1"/>
+              <a:t>ce</a:t>
+            </a:r>
+            <a:r>
+              <a:rPr lang="en-US" sz="1400" dirty="0"/>
+              <a:t> au </a:t>
+            </a:r>
+            <a:r>
+              <a:rPr lang="en-US" sz="1400" dirty="0" err="1"/>
+              <a:t>avut</a:t>
+            </a:r>
+            <a:r>
+              <a:rPr lang="en-US" sz="1400" dirty="0"/>
+              <a:t> </a:t>
+            </a:r>
+            <a:r>
+              <a:rPr lang="en-US" sz="1400" dirty="0" err="1"/>
+              <a:t>cel</a:t>
+            </a:r>
+            <a:r>
+              <a:rPr lang="en-US" sz="1400" dirty="0"/>
+              <a:t> </a:t>
+            </a:r>
+            <a:r>
+              <a:rPr lang="en-US" sz="1400" dirty="0" err="1"/>
+              <a:t>mai</a:t>
+            </a:r>
+            <a:r>
+              <a:rPr lang="en-US" sz="1400" dirty="0"/>
+              <a:t> mare impact </a:t>
+            </a:r>
+            <a:r>
+              <a:rPr lang="en-US" sz="1400" dirty="0" err="1"/>
+              <a:t>asupra</a:t>
+            </a:r>
+            <a:r>
+              <a:rPr lang="en-US" sz="1400" dirty="0"/>
+              <a:t> </a:t>
+            </a:r>
+            <a:r>
+              <a:rPr lang="en-US" sz="1400" dirty="0" err="1"/>
+              <a:t>rezultatelor</a:t>
+            </a:r>
+            <a:r>
+              <a:rPr lang="en-US" sz="1400" dirty="0"/>
+              <a:t> au </a:t>
+            </a:r>
+            <a:r>
+              <a:rPr lang="en-US" sz="1400" dirty="0" err="1"/>
+              <a:t>fost</a:t>
+            </a:r>
+            <a:r>
+              <a:rPr lang="en-US" sz="1400" dirty="0"/>
+              <a:t>:</a:t>
+            </a:r>
           </a:p>
           <a:p>
-            <a:pPr marL="0" lvl="0" indent="0" algn="l" rtl="0">
-              <a:spcBef>
-                <a:spcPts val="1000"/>
-              </a:spcBef>
-              <a:spcAft>
-                <a:spcPts val="0"/>
-              </a:spcAft>
-              <a:buNone/>
-            </a:pPr>
-            <a:endParaRPr sz="1600" b="1" dirty="0"/>
+            <a:pPr marL="742950" lvl="1" indent="-285750" algn="just"/>
+            <a:r>
+              <a:rPr lang="en-US" sz="1400" dirty="0" err="1"/>
+              <a:t>Utilizarea</a:t>
+            </a:r>
+            <a:r>
+              <a:rPr lang="en-US" sz="1400" i="1" dirty="0"/>
+              <a:t> n-</a:t>
+            </a:r>
+            <a:r>
+              <a:rPr lang="en-US" sz="1400" i="1" dirty="0" err="1"/>
+              <a:t>gramelor</a:t>
+            </a:r>
+            <a:r>
+              <a:rPr lang="en-US" sz="1400" dirty="0"/>
+              <a:t> in TF-IDF a </a:t>
+            </a:r>
+            <a:r>
+              <a:rPr lang="en-US" sz="1400" dirty="0" err="1"/>
+              <a:t>crescut</a:t>
+            </a:r>
+            <a:r>
+              <a:rPr lang="en-US" sz="1400" dirty="0"/>
+              <a:t> </a:t>
+            </a:r>
+            <a:r>
+              <a:rPr lang="en-US" sz="1400" dirty="0" err="1"/>
+              <a:t>semnificativ</a:t>
+            </a:r>
+            <a:r>
+              <a:rPr lang="en-US" sz="1400" dirty="0"/>
+              <a:t> </a:t>
+            </a:r>
+            <a:r>
+              <a:rPr lang="en-US" sz="1400" dirty="0" err="1"/>
+              <a:t>performanta</a:t>
+            </a:r>
+            <a:r>
+              <a:rPr lang="en-US" sz="1400" dirty="0"/>
+              <a:t> </a:t>
+            </a:r>
+            <a:r>
+              <a:rPr lang="en-US" sz="1400" dirty="0" err="1"/>
+              <a:t>modelelor</a:t>
+            </a:r>
+            <a:r>
+              <a:rPr lang="en-US" sz="1400" dirty="0"/>
+              <a:t>, </a:t>
+            </a:r>
+            <a:r>
+              <a:rPr lang="en-US" sz="1400" dirty="0" err="1"/>
+              <a:t>mai</a:t>
+            </a:r>
+            <a:r>
+              <a:rPr lang="en-US" sz="1400" dirty="0"/>
+              <a:t> precis cu </a:t>
+            </a:r>
+            <a:r>
+              <a:rPr lang="en-US" sz="1400" b="1" dirty="0"/>
+              <a:t>~6%</a:t>
+            </a:r>
+            <a:r>
+              <a:rPr lang="en-US" sz="1400" dirty="0"/>
+              <a:t>.</a:t>
+            </a:r>
+            <a:endParaRPr lang="en-US" sz="1400" b="1" dirty="0"/>
           </a:p>
           <a:p>
-            <a:pPr marL="0" lvl="0" indent="457200" algn="l" rtl="0">
-              <a:spcBef>
-                <a:spcPts val="1000"/>
-              </a:spcBef>
-              <a:spcAft>
-                <a:spcPts val="1200"/>
-              </a:spcAft>
-              <a:buNone/>
-            </a:pPr>
-            <a:r>
-              <a:rPr lang="en" sz="1600" dirty="0"/>
-              <a:t>Păstrarea conținutului </a:t>
-            </a:r>
-            <a:r>
-              <a:rPr lang="en" sz="1600" i="1" dirty="0"/>
+            <a:pPr marL="742950" lvl="1" indent="-285750" algn="just"/>
+            <a:r>
+              <a:rPr lang="en-US" sz="1400" dirty="0" err="1"/>
+              <a:t>Pastrarea</a:t>
+            </a:r>
+            <a:r>
+              <a:rPr lang="en-US" sz="1400" dirty="0"/>
+              <a:t> </a:t>
+            </a:r>
+            <a:r>
+              <a:rPr lang="en-US" sz="1400" dirty="0" err="1"/>
+              <a:t>continutului</a:t>
+            </a:r>
+            <a:r>
+              <a:rPr lang="en-US" sz="1400" dirty="0"/>
+              <a:t> </a:t>
+            </a:r>
+            <a:r>
+              <a:rPr lang="en-US" sz="1400" i="1" dirty="0"/>
               <a:t>hashtag</a:t>
             </a:r>
             <a:r>
-              <a:rPr lang="en" sz="1600" dirty="0"/>
-              <a:t>-urilor în TF-IDF a adus o îmbunătățire de </a:t>
-            </a:r>
-            <a:r>
-              <a:rPr lang="en" sz="1600" b="1" dirty="0"/>
+              <a:rPr lang="en-US" sz="1400" dirty="0"/>
+              <a:t>-</a:t>
+            </a:r>
+            <a:r>
+              <a:rPr lang="en-US" sz="1400" dirty="0" err="1"/>
+              <a:t>urilor</a:t>
+            </a:r>
+            <a:r>
+              <a:rPr lang="en-US" sz="1400" dirty="0"/>
+              <a:t> in TF-IDF a </a:t>
+            </a:r>
+            <a:r>
+              <a:rPr lang="en-US" sz="1400" dirty="0" err="1"/>
+              <a:t>adus</a:t>
+            </a:r>
+            <a:r>
+              <a:rPr lang="en-US" sz="1400" dirty="0"/>
+              <a:t> o </a:t>
+            </a:r>
+            <a:r>
+              <a:rPr lang="en-US" sz="1400" dirty="0" err="1"/>
+              <a:t>imbunatatire</a:t>
+            </a:r>
+            <a:r>
+              <a:rPr lang="en-US" sz="1400" dirty="0"/>
+              <a:t> de </a:t>
+            </a:r>
+            <a:r>
+              <a:rPr lang="en-US" sz="1400" b="1" dirty="0"/>
               <a:t>~5%</a:t>
             </a:r>
             <a:r>
-              <a:rPr lang="en" sz="1600" dirty="0"/>
-              <a:t> în majoritatea modelelor</a:t>
-            </a:r>
-            <a:r>
-              <a:rPr lang="ro-RO" sz="1600" dirty="0"/>
+              <a:rPr lang="en-US" sz="1400" dirty="0"/>
+              <a:t> la </a:t>
+            </a:r>
+            <a:r>
+              <a:rPr lang="en-US" sz="1400" dirty="0" err="1"/>
+              <a:t>majoritatea</a:t>
+            </a:r>
+            <a:r>
+              <a:rPr lang="en-US" sz="1400" dirty="0"/>
+              <a:t> </a:t>
+            </a:r>
+            <a:r>
+              <a:rPr lang="en-US" sz="1400" dirty="0" err="1"/>
+              <a:t>modelelor</a:t>
+            </a:r>
+            <a:r>
+              <a:rPr lang="en-US" sz="1400" dirty="0"/>
               <a:t>.</a:t>
             </a:r>
-            <a:endParaRPr sz="1600" dirty="0"/>
+          </a:p>
+          <a:p>
+            <a:pPr marL="742950" lvl="1" indent="-285750" algn="just"/>
+            <a:r>
+              <a:rPr lang="it-IT" sz="1400" dirty="0"/>
+              <a:t>Am utilizat GridSearchCV pentru a da fine tune la clasificatori.</a:t>
+            </a:r>
+            <a:endParaRPr lang="en-US" sz="1400" dirty="0"/>
           </a:p>
         </p:txBody>
       </p:sp>
     </p:spTree>
+  </p:cSld>
+  <p:clrMapOvr>
+    <a:masterClrMapping/>
+  </p:clrMapOvr>
+</p:sld>
+</file>
+
+<file path=ppt/slides/slide11.xml><?xml version="1.0" encoding="utf-8"?>
+<p:sld xmlns:a="http://schemas.openxmlformats.org/drawingml/2006/main" xmlns:r="http://schemas.openxmlformats.org/officeDocument/2006/relationships" xmlns:p="http://schemas.openxmlformats.org/presentationml/2006/main">
+  <p:cSld>
+    <p:bg>
+      <p:bgPr>
+        <a:solidFill>
+          <a:srgbClr val="D0E0E3"/>
+        </a:solidFill>
+        <a:effectLst/>
+      </p:bgPr>
+    </p:bg>
+    <p:spTree>
+      <p:nvGrpSpPr>
+        <p:cNvPr id="1" name="Shape 345">
+          <a:extLst>
+            <a:ext uri="{FF2B5EF4-FFF2-40B4-BE49-F238E27FC236}">
+              <a16:creationId xmlns:a16="http://schemas.microsoft.com/office/drawing/2014/main" id="{A48D7EC4-D064-EA9B-2C23-BE2E0FD56550}"/>
+            </a:ext>
+          </a:extLst>
+        </p:cNvPr>
+        <p:cNvGrpSpPr/>
+        <p:nvPr/>
+      </p:nvGrpSpPr>
+      <p:grpSpPr>
+        <a:xfrm>
+          <a:off x="0" y="0"/>
+          <a:ext cx="0" cy="0"/>
+          <a:chOff x="0" y="0"/>
+          <a:chExt cx="0" cy="0"/>
+        </a:xfrm>
+      </p:grpSpPr>
+      <p:sp>
+        <p:nvSpPr>
+          <p:cNvPr id="346" name="Google Shape;346;p22">
+            <a:extLst>
+              <a:ext uri="{FF2B5EF4-FFF2-40B4-BE49-F238E27FC236}">
+                <a16:creationId xmlns:a16="http://schemas.microsoft.com/office/drawing/2014/main" id="{E8E9765B-94BA-398E-A991-D4F50382BC7A}"/>
+              </a:ext>
+            </a:extLst>
+          </p:cNvPr>
+          <p:cNvSpPr txBox="1">
+            <a:spLocks noGrp="1"/>
+          </p:cNvSpPr>
+          <p:nvPr>
+            <p:ph type="title"/>
+          </p:nvPr>
+        </p:nvSpPr>
+        <p:spPr>
+          <a:xfrm>
+            <a:off x="1303800" y="598575"/>
+            <a:ext cx="7030500" cy="999300"/>
+          </a:xfrm>
+          <a:prstGeom prst="rect">
+            <a:avLst/>
+          </a:prstGeom>
+        </p:spPr>
+        <p:txBody>
+          <a:bodyPr spcFirstLastPara="1" wrap="square" lIns="91425" tIns="91425" rIns="91425" bIns="91425" anchor="t" anchorCtr="0">
+            <a:normAutofit/>
+          </a:bodyPr>
+          <a:lstStyle/>
+          <a:p>
+            <a:pPr marL="0" lvl="0" indent="0" algn="l" rtl="0">
+              <a:spcBef>
+                <a:spcPts val="0"/>
+              </a:spcBef>
+              <a:spcAft>
+                <a:spcPts val="0"/>
+              </a:spcAft>
+              <a:buNone/>
+            </a:pPr>
+            <a:r>
+              <a:rPr lang="en-US" dirty="0"/>
+              <a:t>7. </a:t>
+            </a:r>
+            <a:r>
+              <a:rPr lang="en-US" dirty="0" err="1"/>
+              <a:t>Interpretarea</a:t>
+            </a:r>
+            <a:r>
+              <a:rPr lang="en-US" dirty="0"/>
+              <a:t> </a:t>
+            </a:r>
+            <a:r>
+              <a:rPr lang="en-US" dirty="0" err="1"/>
+              <a:t>rezultatelor</a:t>
+            </a:r>
+            <a:endParaRPr lang="en-US" dirty="0"/>
+          </a:p>
+        </p:txBody>
+      </p:sp>
+      <p:sp>
+        <p:nvSpPr>
+          <p:cNvPr id="347" name="Google Shape;347;p22">
+            <a:extLst>
+              <a:ext uri="{FF2B5EF4-FFF2-40B4-BE49-F238E27FC236}">
+                <a16:creationId xmlns:a16="http://schemas.microsoft.com/office/drawing/2014/main" id="{9752BDA3-E87A-FFC9-1B55-32EBF68F2CF4}"/>
+              </a:ext>
+            </a:extLst>
+          </p:cNvPr>
+          <p:cNvSpPr txBox="1">
+            <a:spLocks noGrp="1"/>
+          </p:cNvSpPr>
+          <p:nvPr>
+            <p:ph type="body" idx="1"/>
+          </p:nvPr>
+        </p:nvSpPr>
+        <p:spPr>
+          <a:xfrm>
+            <a:off x="764225" y="1816483"/>
+            <a:ext cx="7615550" cy="2788512"/>
+          </a:xfrm>
+          <a:prstGeom prst="rect">
+            <a:avLst/>
+          </a:prstGeom>
+        </p:spPr>
+        <p:txBody>
+          <a:bodyPr spcFirstLastPara="1" wrap="square" lIns="91425" tIns="91425" rIns="91425" bIns="91425" anchor="t" anchorCtr="0">
+            <a:noAutofit/>
+          </a:bodyPr>
+          <a:lstStyle/>
+          <a:p>
+            <a:pPr marL="0" lvl="0" indent="457200" algn="just" rtl="0">
+              <a:spcBef>
+                <a:spcPts val="0"/>
+              </a:spcBef>
+              <a:spcAft>
+                <a:spcPts val="0"/>
+              </a:spcAft>
+              <a:buNone/>
+            </a:pPr>
+            <a:r>
+              <a:rPr lang="en-US" sz="1400" dirty="0"/>
+              <a:t>In </a:t>
+            </a:r>
+            <a:r>
+              <a:rPr lang="en-US" sz="1400" dirty="0" err="1"/>
+              <a:t>functie</a:t>
+            </a:r>
+            <a:r>
+              <a:rPr lang="en-US" sz="1400" dirty="0"/>
+              <a:t> de cum </a:t>
+            </a:r>
+            <a:r>
+              <a:rPr lang="en-US" sz="1400" dirty="0" err="1"/>
+              <a:t>arata</a:t>
+            </a:r>
+            <a:r>
+              <a:rPr lang="en-US" sz="1400" dirty="0"/>
+              <a:t> </a:t>
+            </a:r>
+            <a:r>
+              <a:rPr lang="en-US" sz="1400" dirty="0" err="1"/>
+              <a:t>diagonala</a:t>
+            </a:r>
+            <a:r>
+              <a:rPr lang="en-US" sz="1400" dirty="0"/>
+              <a:t> </a:t>
+            </a:r>
+            <a:r>
+              <a:rPr lang="en-US" sz="1400" dirty="0" err="1"/>
+              <a:t>secundara</a:t>
+            </a:r>
+            <a:r>
+              <a:rPr lang="en-US" sz="1400" dirty="0"/>
+              <a:t> a </a:t>
+            </a:r>
+            <a:r>
+              <a:rPr lang="en-US" sz="1400" dirty="0" err="1"/>
+              <a:t>matricei</a:t>
+            </a:r>
+            <a:r>
+              <a:rPr lang="en-US" sz="1400" dirty="0"/>
+              <a:t> de </a:t>
+            </a:r>
+            <a:r>
+              <a:rPr lang="en-US" sz="1400" dirty="0" err="1"/>
+              <a:t>confuzie</a:t>
+            </a:r>
+            <a:r>
+              <a:rPr lang="en-US" sz="1400" dirty="0"/>
+              <a:t>, </a:t>
+            </a:r>
+            <a:r>
+              <a:rPr lang="en-US" sz="1400" dirty="0" err="1"/>
+              <a:t>daca</a:t>
+            </a:r>
+            <a:r>
+              <a:rPr lang="en-US" sz="1400" dirty="0"/>
+              <a:t> </a:t>
+            </a:r>
+            <a:r>
+              <a:rPr lang="en-US" sz="1400" dirty="0" err="1"/>
+              <a:t>avem</a:t>
+            </a:r>
+            <a:r>
+              <a:rPr lang="en-US" sz="1400" dirty="0"/>
+              <a:t> predominant false </a:t>
+            </a:r>
+            <a:r>
+              <a:rPr lang="en-US" sz="1400" dirty="0" err="1"/>
+              <a:t>pozitive</a:t>
+            </a:r>
+            <a:r>
+              <a:rPr lang="en-US" sz="1400" dirty="0"/>
+              <a:t> </a:t>
+            </a:r>
+            <a:r>
+              <a:rPr lang="en-US" sz="1400" dirty="0" err="1"/>
+              <a:t>vom</a:t>
+            </a:r>
+            <a:r>
+              <a:rPr lang="en-US" sz="1400" dirty="0"/>
+              <a:t> </a:t>
+            </a:r>
+            <a:r>
+              <a:rPr lang="en-US" sz="1400" dirty="0" err="1"/>
+              <a:t>avea</a:t>
+            </a:r>
+            <a:r>
+              <a:rPr lang="en-US" sz="1400" dirty="0"/>
+              <a:t> </a:t>
+            </a:r>
+            <a:r>
+              <a:rPr lang="en-US" sz="1400" dirty="0" err="1"/>
+              <a:t>mesaje</a:t>
+            </a:r>
+            <a:r>
+              <a:rPr lang="en-US" sz="1400" dirty="0"/>
+              <a:t> </a:t>
+            </a:r>
+            <a:r>
+              <a:rPr lang="en-US" sz="1400" dirty="0" err="1"/>
+              <a:t>normale</a:t>
+            </a:r>
+            <a:r>
+              <a:rPr lang="en-US" sz="1400" dirty="0"/>
+              <a:t> </a:t>
+            </a:r>
+            <a:r>
+              <a:rPr lang="en-US" sz="1400" dirty="0" err="1"/>
+              <a:t>ce</a:t>
+            </a:r>
+            <a:r>
+              <a:rPr lang="en-US" sz="1400" dirty="0"/>
+              <a:t> au </a:t>
+            </a:r>
+            <a:r>
+              <a:rPr lang="en-US" sz="1400" dirty="0" err="1"/>
+              <a:t>fost</a:t>
+            </a:r>
+            <a:r>
+              <a:rPr lang="en-US" sz="1400" dirty="0"/>
+              <a:t> </a:t>
+            </a:r>
+            <a:r>
+              <a:rPr lang="en-US" sz="1400" dirty="0" err="1"/>
+              <a:t>marcate</a:t>
+            </a:r>
+            <a:r>
+              <a:rPr lang="en-US" sz="1400" dirty="0"/>
+              <a:t> ca hate speech, </a:t>
+            </a:r>
+            <a:r>
+              <a:rPr lang="en-US" sz="1400" dirty="0" err="1"/>
+              <a:t>iar</a:t>
+            </a:r>
+            <a:r>
+              <a:rPr lang="en-US" sz="1400" dirty="0"/>
+              <a:t> in </a:t>
+            </a:r>
+            <a:r>
+              <a:rPr lang="en-US" sz="1400" dirty="0" err="1"/>
+              <a:t>cazul</a:t>
+            </a:r>
+            <a:r>
+              <a:rPr lang="en-US" sz="1400" dirty="0"/>
+              <a:t> true negative vice versa. </a:t>
+            </a:r>
+          </a:p>
+          <a:p>
+            <a:pPr marL="0" lvl="0" indent="457200" algn="just" rtl="0">
+              <a:spcBef>
+                <a:spcPts val="0"/>
+              </a:spcBef>
+              <a:spcAft>
+                <a:spcPts val="0"/>
+              </a:spcAft>
+              <a:buNone/>
+            </a:pPr>
+            <a:r>
+              <a:rPr lang="en-US" sz="1400" dirty="0"/>
+              <a:t>Din </a:t>
+            </a:r>
+            <a:r>
+              <a:rPr lang="en-US" sz="1400" dirty="0" err="1"/>
+              <a:t>perspectiva</a:t>
+            </a:r>
+            <a:r>
+              <a:rPr lang="en-US" sz="1400" dirty="0"/>
+              <a:t> </a:t>
+            </a:r>
+            <a:r>
+              <a:rPr lang="en-US" sz="1400" dirty="0" err="1"/>
+              <a:t>aplicatiei</a:t>
+            </a:r>
+            <a:r>
+              <a:rPr lang="en-US" sz="1400" dirty="0"/>
+              <a:t>, </a:t>
+            </a:r>
+            <a:r>
+              <a:rPr lang="en-US" sz="1400" dirty="0" err="1"/>
+              <a:t>primul</a:t>
+            </a:r>
+            <a:r>
+              <a:rPr lang="en-US" sz="1400" dirty="0"/>
+              <a:t> </a:t>
+            </a:r>
+            <a:r>
+              <a:rPr lang="en-US" sz="1400" dirty="0" err="1"/>
+              <a:t>caz</a:t>
+            </a:r>
+            <a:r>
+              <a:rPr lang="en-US" sz="1400" dirty="0"/>
+              <a:t> </a:t>
+            </a:r>
+            <a:r>
+              <a:rPr lang="en-US" sz="1400" dirty="0" err="1"/>
+              <a:t>ar</a:t>
+            </a:r>
+            <a:r>
+              <a:rPr lang="en-US" sz="1400" dirty="0"/>
+              <a:t> </a:t>
+            </a:r>
+            <a:r>
+              <a:rPr lang="en-US" sz="1400" dirty="0" err="1"/>
+              <a:t>insemna</a:t>
+            </a:r>
+            <a:r>
+              <a:rPr lang="en-US" sz="1400" dirty="0"/>
+              <a:t> ca se </a:t>
+            </a:r>
+            <a:r>
+              <a:rPr lang="en-US" sz="1400" dirty="0" err="1"/>
+              <a:t>elimina</a:t>
+            </a:r>
+            <a:r>
+              <a:rPr lang="en-US" sz="1400" dirty="0"/>
+              <a:t> </a:t>
+            </a:r>
+            <a:r>
+              <a:rPr lang="en-US" sz="1400" dirty="0" err="1"/>
+              <a:t>mesaje</a:t>
+            </a:r>
+            <a:r>
+              <a:rPr lang="en-US" sz="1400" dirty="0"/>
+              <a:t> </a:t>
+            </a:r>
+            <a:r>
+              <a:rPr lang="en-US" sz="1400" dirty="0" err="1"/>
+              <a:t>normale</a:t>
+            </a:r>
+            <a:r>
+              <a:rPr lang="en-US" sz="1400" dirty="0"/>
+              <a:t> </a:t>
+            </a:r>
+            <a:r>
+              <a:rPr lang="en-US" sz="1400" dirty="0" err="1"/>
+              <a:t>incorect</a:t>
+            </a:r>
+            <a:r>
+              <a:rPr lang="en-US" sz="1400" dirty="0"/>
+              <a:t>, </a:t>
+            </a:r>
+            <a:r>
+              <a:rPr lang="en-US" sz="1400" dirty="0" err="1"/>
+              <a:t>iar</a:t>
+            </a:r>
+            <a:r>
+              <a:rPr lang="en-US" sz="1400" dirty="0"/>
+              <a:t> in </a:t>
+            </a:r>
+            <a:r>
+              <a:rPr lang="en-US" sz="1400" dirty="0" err="1"/>
+              <a:t>cel</a:t>
+            </a:r>
+            <a:r>
+              <a:rPr lang="en-US" sz="1400" dirty="0"/>
+              <a:t> de al </a:t>
+            </a:r>
+            <a:r>
+              <a:rPr lang="en-US" sz="1400" dirty="0" err="1"/>
+              <a:t>doilea</a:t>
+            </a:r>
+            <a:r>
+              <a:rPr lang="en-US" sz="1400" dirty="0"/>
+              <a:t> </a:t>
+            </a:r>
+            <a:r>
+              <a:rPr lang="en-US" sz="1400" dirty="0" err="1"/>
+              <a:t>pastram</a:t>
+            </a:r>
+            <a:r>
+              <a:rPr lang="en-US" sz="1400" dirty="0"/>
+              <a:t> </a:t>
+            </a:r>
+            <a:r>
+              <a:rPr lang="en-US" sz="1400" dirty="0" err="1"/>
+              <a:t>si</a:t>
+            </a:r>
+            <a:r>
+              <a:rPr lang="en-US" sz="1400" dirty="0"/>
+              <a:t> </a:t>
+            </a:r>
+            <a:r>
+              <a:rPr lang="en-US" sz="1400" dirty="0" err="1"/>
+              <a:t>mesaje</a:t>
+            </a:r>
+            <a:r>
+              <a:rPr lang="en-US" sz="1400" dirty="0"/>
+              <a:t> </a:t>
+            </a:r>
+            <a:r>
+              <a:rPr lang="en-US" sz="1400" dirty="0" err="1"/>
+              <a:t>ce</a:t>
+            </a:r>
+            <a:r>
+              <a:rPr lang="en-US" sz="1400" dirty="0"/>
+              <a:t> </a:t>
+            </a:r>
+            <a:r>
+              <a:rPr lang="en-US" sz="1400" dirty="0" err="1"/>
+              <a:t>instiga</a:t>
+            </a:r>
+            <a:r>
+              <a:rPr lang="en-US" sz="1400" dirty="0"/>
+              <a:t> la hate speech. </a:t>
+            </a:r>
+          </a:p>
+          <a:p>
+            <a:pPr marL="0" lvl="0" indent="457200" algn="just" rtl="0">
+              <a:spcBef>
+                <a:spcPts val="0"/>
+              </a:spcBef>
+              <a:spcAft>
+                <a:spcPts val="0"/>
+              </a:spcAft>
+              <a:buNone/>
+            </a:pPr>
+            <a:r>
+              <a:rPr lang="en-US" sz="1400" dirty="0"/>
+              <a:t>In </a:t>
+            </a:r>
+            <a:r>
+              <a:rPr lang="en-US" sz="1400" dirty="0" err="1"/>
+              <a:t>opinia</a:t>
+            </a:r>
+            <a:r>
+              <a:rPr lang="en-US" sz="1400" dirty="0"/>
+              <a:t> </a:t>
+            </a:r>
+            <a:r>
+              <a:rPr lang="en-US" sz="1400" dirty="0" err="1"/>
+              <a:t>noastra</a:t>
+            </a:r>
+            <a:r>
+              <a:rPr lang="en-US" sz="1400" dirty="0"/>
+              <a:t>, </a:t>
+            </a:r>
+            <a:r>
+              <a:rPr lang="en-US" sz="1400" dirty="0" err="1"/>
+              <a:t>modelul</a:t>
+            </a:r>
+            <a:r>
+              <a:rPr lang="en-US" sz="1400" dirty="0"/>
+              <a:t> </a:t>
+            </a:r>
+            <a:r>
+              <a:rPr lang="en-US" sz="1400" dirty="0" err="1"/>
+              <a:t>ar</a:t>
+            </a:r>
+            <a:r>
+              <a:rPr lang="en-US" sz="1400" dirty="0"/>
+              <a:t> </a:t>
+            </a:r>
+            <a:r>
+              <a:rPr lang="en-US" sz="1400" dirty="0" err="1"/>
+              <a:t>trebui</a:t>
+            </a:r>
+            <a:r>
+              <a:rPr lang="en-US" sz="1400" dirty="0"/>
+              <a:t> </a:t>
+            </a:r>
+            <a:r>
+              <a:rPr lang="en-US" sz="1400" dirty="0" err="1"/>
+              <a:t>sa</a:t>
+            </a:r>
+            <a:r>
+              <a:rPr lang="en-US" sz="1400" dirty="0"/>
+              <a:t> fie </a:t>
+            </a:r>
+            <a:r>
+              <a:rPr lang="en-US" sz="1400" dirty="0" err="1"/>
+              <a:t>mai</a:t>
+            </a:r>
+            <a:r>
+              <a:rPr lang="en-US" sz="1400" dirty="0"/>
+              <a:t> </a:t>
+            </a:r>
+            <a:r>
+              <a:rPr lang="en-US" sz="1400" dirty="0" err="1"/>
+              <a:t>restrictiv</a:t>
+            </a:r>
+            <a:r>
+              <a:rPr lang="en-US" sz="1400" dirty="0"/>
+              <a:t> (cu </a:t>
+            </a:r>
+            <a:r>
+              <a:rPr lang="en-US" sz="1400" dirty="0" err="1"/>
+              <a:t>mai</a:t>
+            </a:r>
+            <a:r>
+              <a:rPr lang="en-US" sz="1400" dirty="0"/>
+              <a:t> </a:t>
+            </a:r>
+            <a:r>
+              <a:rPr lang="en-US" sz="1400" dirty="0" err="1"/>
+              <a:t>multe</a:t>
+            </a:r>
+            <a:r>
+              <a:rPr lang="en-US" sz="1400" dirty="0"/>
+              <a:t> </a:t>
+            </a:r>
+            <a:r>
+              <a:rPr lang="en-US" sz="1400" dirty="0" err="1"/>
+              <a:t>intrari</a:t>
+            </a:r>
+            <a:r>
+              <a:rPr lang="en-US" sz="1400" dirty="0"/>
+              <a:t> pe false </a:t>
+            </a:r>
+            <a:r>
+              <a:rPr lang="en-US" sz="1400" dirty="0" err="1"/>
+              <a:t>pozitive</a:t>
+            </a:r>
+            <a:r>
+              <a:rPr lang="en-US" sz="1400" dirty="0"/>
+              <a:t> </a:t>
+            </a:r>
+            <a:r>
+              <a:rPr lang="en-US" sz="1400" dirty="0" err="1"/>
+              <a:t>decat</a:t>
+            </a:r>
+            <a:r>
+              <a:rPr lang="en-US" sz="1400" dirty="0"/>
+              <a:t> pe true negative) , </a:t>
+            </a:r>
+            <a:r>
+              <a:rPr lang="en-US" sz="1400" dirty="0" err="1"/>
+              <a:t>dar</a:t>
+            </a:r>
+            <a:r>
+              <a:rPr lang="en-US" sz="1400" dirty="0"/>
+              <a:t> </a:t>
+            </a:r>
+            <a:r>
+              <a:rPr lang="en-US" sz="1400" dirty="0" err="1"/>
+              <a:t>doar</a:t>
+            </a:r>
+            <a:r>
+              <a:rPr lang="en-US" sz="1400" dirty="0"/>
+              <a:t> ca </a:t>
+            </a:r>
+            <a:r>
+              <a:rPr lang="en-US" sz="1400" dirty="0" err="1"/>
+              <a:t>marcare</a:t>
+            </a:r>
+            <a:r>
+              <a:rPr lang="en-US" sz="1400" dirty="0"/>
+              <a:t> a </a:t>
+            </a:r>
+            <a:r>
+              <a:rPr lang="en-US" sz="1400" dirty="0" err="1"/>
+              <a:t>mesajelor</a:t>
+            </a:r>
+            <a:r>
+              <a:rPr lang="en-US" sz="1400" dirty="0"/>
+              <a:t> </a:t>
+            </a:r>
+            <a:r>
+              <a:rPr lang="en-US" sz="1400" dirty="0" err="1"/>
+              <a:t>si</a:t>
+            </a:r>
+            <a:r>
+              <a:rPr lang="en-US" sz="1400" dirty="0"/>
+              <a:t> </a:t>
+            </a:r>
+            <a:r>
+              <a:rPr lang="en-US" sz="1400" dirty="0" err="1"/>
+              <a:t>acestea</a:t>
+            </a:r>
+            <a:r>
+              <a:rPr lang="en-US" sz="1400" dirty="0"/>
+              <a:t> </a:t>
+            </a:r>
+            <a:r>
+              <a:rPr lang="en-US" sz="1400" dirty="0" err="1"/>
+              <a:t>sa</a:t>
+            </a:r>
+            <a:r>
+              <a:rPr lang="en-US" sz="1400" dirty="0"/>
+              <a:t> fie </a:t>
+            </a:r>
+            <a:r>
+              <a:rPr lang="en-US" sz="1400" dirty="0" err="1"/>
+              <a:t>mai</a:t>
+            </a:r>
+            <a:r>
+              <a:rPr lang="en-US" sz="1400" dirty="0"/>
+              <a:t> </a:t>
+            </a:r>
+            <a:r>
+              <a:rPr lang="en-US" sz="1400" dirty="0" err="1"/>
+              <a:t>departe</a:t>
+            </a:r>
+            <a:r>
+              <a:rPr lang="en-US" sz="1400" dirty="0"/>
+              <a:t> moderate de </a:t>
+            </a:r>
+            <a:r>
+              <a:rPr lang="en-US" sz="1400" dirty="0" err="1"/>
+              <a:t>catre</a:t>
+            </a:r>
+            <a:r>
+              <a:rPr lang="en-US" sz="1400" dirty="0"/>
+              <a:t> un </a:t>
+            </a:r>
+            <a:r>
+              <a:rPr lang="en-US" sz="1400" dirty="0" err="1"/>
+              <a:t>om.</a:t>
+            </a:r>
+            <a:endParaRPr lang="en-US" sz="1400" dirty="0"/>
+          </a:p>
+        </p:txBody>
+      </p:sp>
+    </p:spTree>
+    <p:extLst>
+      <p:ext uri="{BB962C8B-B14F-4D97-AF65-F5344CB8AC3E}">
+        <p14:creationId xmlns:p14="http://schemas.microsoft.com/office/powerpoint/2010/main" val="4200441280"/>
+      </p:ext>
+    </p:extLst>
   </p:cSld>
   <p:clrMapOvr>
     <a:masterClrMapping/>
@@ -16020,10 +16960,10 @@
               <a:buNone/>
             </a:pPr>
             <a:r>
-              <a:rPr lang="en"/>
+              <a:rPr lang="en" dirty="0"/>
               <a:t>CUPRINS</a:t>
             </a:r>
-            <a:endParaRPr/>
+            <a:endParaRPr dirty="0"/>
           </a:p>
         </p:txBody>
       </p:sp>
@@ -16039,7 +16979,7 @@
         </p:nvSpPr>
         <p:spPr>
           <a:xfrm>
-            <a:off x="1303800" y="1990050"/>
+            <a:off x="1303800" y="1748704"/>
             <a:ext cx="7030500" cy="2541600"/>
           </a:xfrm>
           <a:prstGeom prst="rect">
@@ -16048,7 +16988,7 @@
         </p:spPr>
         <p:txBody>
           <a:bodyPr spcFirstLastPara="1" wrap="square" lIns="91425" tIns="91425" rIns="91425" bIns="91425" anchor="t" anchorCtr="0">
-            <a:normAutofit lnSpcReduction="10000"/>
+            <a:normAutofit fontScale="92500" lnSpcReduction="20000"/>
           </a:bodyPr>
           <a:lstStyle/>
           <a:p>
@@ -16066,10 +17006,10 @@
               <a:buAutoNum type="arabicPeriod"/>
             </a:pPr>
             <a:r>
-              <a:rPr lang="en" sz="1800"/>
+              <a:rPr lang="en" sz="1800" dirty="0"/>
               <a:t>Alegerea dataset-ului</a:t>
             </a:r>
-            <a:endParaRPr sz="1800"/>
+            <a:endParaRPr sz="1800" dirty="0"/>
           </a:p>
           <a:p>
             <a:pPr marL="457200" lvl="0" indent="-342900" algn="l" rtl="0">
@@ -16086,10 +17026,10 @@
               <a:buAutoNum type="arabicPeriod"/>
             </a:pPr>
             <a:r>
-              <a:rPr lang="en" sz="1800"/>
+              <a:rPr lang="en" sz="1800" dirty="0"/>
               <a:t>Tehnici de preprocesare</a:t>
             </a:r>
-            <a:endParaRPr sz="1800"/>
+            <a:endParaRPr sz="1800" dirty="0"/>
           </a:p>
           <a:p>
             <a:pPr marL="457200" lvl="0" indent="-342900" algn="l" rtl="0">
@@ -16106,10 +17046,10 @@
               <a:buAutoNum type="arabicPeriod"/>
             </a:pPr>
             <a:r>
-              <a:rPr lang="en" sz="1800"/>
+              <a:rPr lang="en" sz="1800" dirty="0"/>
               <a:t>Extragerea feature-urilor</a:t>
             </a:r>
-            <a:endParaRPr sz="1800"/>
+            <a:endParaRPr sz="1800" dirty="0"/>
           </a:p>
           <a:p>
             <a:pPr marL="457200" lvl="0" indent="-342900" algn="l" rtl="0">
@@ -16126,10 +17066,10 @@
               <a:buAutoNum type="arabicPeriod"/>
             </a:pPr>
             <a:r>
-              <a:rPr lang="en" sz="1800"/>
+              <a:rPr lang="en" sz="1800" dirty="0"/>
               <a:t>Modele de clasificatori</a:t>
             </a:r>
-            <a:endParaRPr sz="1800"/>
+            <a:endParaRPr sz="1800" dirty="0"/>
           </a:p>
           <a:p>
             <a:pPr marL="457200" lvl="0" indent="-342900" algn="l" rtl="0">
@@ -16146,10 +17086,9 @@
               <a:buAutoNum type="arabicPeriod"/>
             </a:pPr>
             <a:r>
-              <a:rPr lang="en" sz="1800"/>
+              <a:rPr lang="en" sz="1800" dirty="0"/>
               <a:t>Rezultate notabile</a:t>
             </a:r>
-            <a:endParaRPr sz="1800"/>
           </a:p>
           <a:p>
             <a:pPr marL="457200" lvl="0" indent="-342900" algn="l" rtl="0">
@@ -16166,10 +17105,45 @@
               <a:buAutoNum type="arabicPeriod"/>
             </a:pPr>
             <a:r>
-              <a:rPr lang="en" sz="1800"/>
-              <a:t>State of the Art</a:t>
-            </a:r>
-            <a:endParaRPr sz="1800"/>
+              <a:rPr lang="en" sz="1800" dirty="0"/>
+              <a:t>Observatii</a:t>
+            </a:r>
+          </a:p>
+          <a:p>
+            <a:pPr marL="457200" lvl="0" indent="-342900" algn="l" rtl="0">
+              <a:lnSpc>
+                <a:spcPct val="150000"/>
+              </a:lnSpc>
+              <a:spcBef>
+                <a:spcPts val="0"/>
+              </a:spcBef>
+              <a:spcAft>
+                <a:spcPts val="0"/>
+              </a:spcAft>
+              <a:buSzPts val="1800"/>
+              <a:buAutoNum type="arabicPeriod"/>
+            </a:pPr>
+            <a:r>
+              <a:rPr lang="en" sz="1800" dirty="0"/>
+              <a:t>Interpretarea rezultatelor</a:t>
+            </a:r>
+            <a:endParaRPr sz="1800" dirty="0"/>
+          </a:p>
+          <a:p>
+            <a:pPr marL="457200" lvl="0" indent="-342900" algn="l" rtl="0">
+              <a:lnSpc>
+                <a:spcPct val="150000"/>
+              </a:lnSpc>
+              <a:spcBef>
+                <a:spcPts val="0"/>
+              </a:spcBef>
+              <a:spcAft>
+                <a:spcPts val="0"/>
+              </a:spcAft>
+              <a:buSzPts val="1800"/>
+              <a:buAutoNum type="arabicPeriod"/>
+            </a:pPr>
+            <a:endParaRPr sz="1800" dirty="0"/>
           </a:p>
         </p:txBody>
       </p:sp>
@@ -16261,8 +17235,8 @@
         </p:nvSpPr>
         <p:spPr>
           <a:xfrm>
-            <a:off x="1303800" y="1641400"/>
-            <a:ext cx="7030500" cy="2965800"/>
+            <a:off x="608421" y="1708144"/>
+            <a:ext cx="7927158" cy="2965800"/>
           </a:xfrm>
           <a:prstGeom prst="rect">
             <a:avLst/>
@@ -16284,11 +17258,11 @@
               <a:buNone/>
             </a:pPr>
             <a:r>
-              <a:rPr lang="en"/>
+              <a:rPr lang="en" dirty="0"/>
               <a:t>Pentru acest task de procesare si clasificare a textelor, am ales dataset-ul </a:t>
             </a:r>
             <a:r>
-              <a:rPr lang="en" u="sng">
+              <a:rPr lang="en" u="sng" dirty="0">
                 <a:solidFill>
                   <a:schemeClr val="hlink"/>
                 </a:solidFill>
@@ -16297,10 +17271,10 @@
               <a:t>tweets_hate_speech_detection</a:t>
             </a:r>
             <a:r>
-              <a:rPr lang="en"/>
+              <a:rPr lang="en" dirty="0"/>
               <a:t> de pe platforma HuggingFace.</a:t>
             </a:r>
-            <a:endParaRPr/>
+            <a:endParaRPr dirty="0"/>
           </a:p>
           <a:p>
             <a:pPr marL="0" lvl="0" indent="0" algn="l" rtl="0">
@@ -16313,26 +17287,26 @@
               <a:buNone/>
             </a:pPr>
             <a:r>
-              <a:rPr lang="en"/>
+              <a:rPr lang="en" dirty="0"/>
               <a:t>Acest dataset contine </a:t>
             </a:r>
             <a:r>
-              <a:rPr lang="en" i="1"/>
+              <a:rPr lang="en" i="1" dirty="0"/>
               <a:t>31.962</a:t>
             </a:r>
             <a:r>
-              <a:rPr lang="en"/>
+              <a:rPr lang="en" dirty="0"/>
               <a:t> de sample-uri obtinute prin API-ul Twitter si adnotate, structurate ca </a:t>
             </a:r>
             <a:r>
-              <a:rPr lang="en" i="1"/>
+              <a:rPr lang="en" i="1" dirty="0"/>
               <a:t>.csv</a:t>
             </a:r>
             <a:r>
-              <a:rPr lang="en"/>
+              <a:rPr lang="en" dirty="0"/>
               <a:t> astfel:</a:t>
             </a:r>
-            <a:endParaRPr/>
+            <a:endParaRPr dirty="0"/>
           </a:p>
           <a:p>
             <a:pPr marL="457200" lvl="0" indent="-304800" algn="l" rtl="0">
@@ -16346,10 +17320,10 @@
               <a:buChar char="-"/>
             </a:pPr>
             <a:r>
-              <a:rPr lang="en" sz="1200" b="1"/>
+              <a:rPr lang="en" sz="1200" b="1" dirty="0"/>
               <a:t>id</a:t>
             </a:r>
-            <a:endParaRPr sz="1200" b="1"/>
+            <a:endParaRPr sz="1200" b="1" dirty="0"/>
           </a:p>
           <a:p>
             <a:pPr marL="457200" lvl="0" indent="-304800" algn="l" rtl="0">
@@ -16363,10 +17337,10 @@
               <a:buChar char="-"/>
             </a:pPr>
             <a:r>
-              <a:rPr lang="en" sz="1200" b="1"/>
+              <a:rPr lang="en" sz="1200" b="1" dirty="0"/>
               <a:t>text</a:t>
             </a:r>
-            <a:endParaRPr sz="1200" b="1"/>
+            <a:endParaRPr sz="1200" b="1" dirty="0"/>
           </a:p>
           <a:p>
             <a:pPr marL="457200" lvl="0" indent="-304800" algn="l" rtl="0">
@@ -16380,30 +17354,30 @@
               <a:buChar char="-"/>
             </a:pPr>
             <a:r>
-              <a:rPr lang="en" sz="1200" b="1"/>
+              <a:rPr lang="en" sz="1200" b="1" dirty="0"/>
               <a:t>label </a:t>
             </a:r>
             <a:r>
-              <a:rPr lang="en" sz="1200"/>
+              <a:rPr lang="en" sz="1200" dirty="0"/>
               <a:t>  (</a:t>
             </a:r>
             <a:r>
-              <a:rPr lang="en" sz="1200" b="1"/>
+              <a:rPr lang="en" sz="1200" b="1" dirty="0"/>
               <a:t>0</a:t>
             </a:r>
             <a:r>
-              <a:rPr lang="en" sz="1200"/>
+              <a:rPr lang="en" sz="1200" dirty="0"/>
               <a:t> : non-hateful, </a:t>
             </a:r>
             <a:r>
-              <a:rPr lang="en" sz="1200" b="1"/>
+              <a:rPr lang="en" sz="1200" b="1" dirty="0"/>
               <a:t>1</a:t>
             </a:r>
             <a:r>
-              <a:rPr lang="en" sz="1200"/>
+              <a:rPr lang="en" sz="1200" dirty="0"/>
               <a:t> : hateful)</a:t>
             </a:r>
-            <a:endParaRPr sz="1200"/>
+            <a:endParaRPr sz="1200" dirty="0"/>
           </a:p>
           <a:p>
             <a:pPr marL="0" lvl="0" indent="0" algn="l" rtl="0">
@@ -16416,10 +17390,10 @@
               <a:buNone/>
             </a:pPr>
             <a:r>
-              <a:rPr lang="en"/>
+              <a:rPr lang="en" dirty="0"/>
               <a:t>Exemplu:</a:t>
             </a:r>
-            <a:endParaRPr/>
+            <a:endParaRPr dirty="0"/>
           </a:p>
           <a:p>
             <a:pPr marL="457200" lvl="0" indent="-298450" algn="l" rtl="0">
@@ -16433,10 +17407,10 @@
               <a:buChar char="-"/>
             </a:pPr>
             <a:r>
-              <a:rPr lang="en" sz="1100"/>
+              <a:rPr lang="en" sz="1100" dirty="0"/>
               <a:t>145,0,so blessed to have worked with sa's best leading ladies</a:t>
             </a:r>
-            <a:endParaRPr sz="1100"/>
+            <a:endParaRPr sz="1100" dirty="0"/>
           </a:p>
           <a:p>
             <a:pPr marL="457200" lvl="0" indent="-298450" algn="l" rtl="0">
@@ -16450,10 +17424,10 @@
               <a:buChar char="-"/>
             </a:pPr>
             <a:r>
-              <a:rPr lang="en" sz="1100"/>
+              <a:rPr lang="en" sz="1100" dirty="0"/>
               <a:t>83,1,how the #altright uses insecurity to lure men into #whitesupremacy</a:t>
             </a:r>
-            <a:endParaRPr sz="1100"/>
+            <a:endParaRPr sz="1100" dirty="0"/>
           </a:p>
         </p:txBody>
       </p:sp>
@@ -16544,8 +17518,8 @@
         </p:nvSpPr>
         <p:spPr>
           <a:xfrm>
-            <a:off x="763975" y="1701900"/>
-            <a:ext cx="4213200" cy="2526300"/>
+            <a:off x="380443" y="1775417"/>
+            <a:ext cx="4690174" cy="2903472"/>
           </a:xfrm>
           <a:prstGeom prst="rect">
             <a:avLst/>
@@ -16567,10 +17541,10 @@
               <a:buNone/>
             </a:pPr>
             <a:r>
-              <a:rPr lang="en" sz="1400"/>
-              <a:t>Tehnici de preprocesare utilizare:</a:t>
-            </a:r>
-            <a:endParaRPr sz="1400"/>
+              <a:rPr lang="en" sz="1400" dirty="0"/>
+              <a:t>   Tehnici de preprocesare utilizare:</a:t>
+            </a:r>
+            <a:endParaRPr sz="1400" dirty="0"/>
           </a:p>
           <a:p>
             <a:pPr marL="457200" lvl="0" indent="-304800" algn="l" rtl="0">
@@ -16584,18 +17558,18 @@
               <a:buAutoNum type="arabicPeriod"/>
             </a:pPr>
             <a:r>
-              <a:rPr lang="en" sz="1200"/>
+              <a:rPr lang="en" sz="1400" dirty="0"/>
               <a:t>eliminarea </a:t>
             </a:r>
             <a:r>
-              <a:rPr lang="en" sz="1200" i="1"/>
+              <a:rPr lang="en" sz="1400" i="1" dirty="0"/>
               <a:t>hyperlink</a:t>
             </a:r>
             <a:r>
-              <a:rPr lang="en" sz="1200"/>
+              <a:rPr lang="en" sz="1400" dirty="0"/>
               <a:t>-urilor</a:t>
             </a:r>
-            <a:endParaRPr sz="1200"/>
+            <a:endParaRPr sz="1400" dirty="0"/>
           </a:p>
           <a:p>
             <a:pPr marL="457200" lvl="0" indent="-304800" algn="l" rtl="0">
@@ -16609,18 +17583,18 @@
               <a:buAutoNum type="arabicPeriod"/>
             </a:pPr>
             <a:r>
-              <a:rPr lang="en" sz="1200"/>
+              <a:rPr lang="en" sz="1400" dirty="0"/>
               <a:t>eliminarea </a:t>
             </a:r>
             <a:r>
-              <a:rPr lang="en" sz="1200" i="1"/>
+              <a:rPr lang="en" sz="1400" i="1" dirty="0"/>
               <a:t>referintelor la useri</a:t>
             </a:r>
             <a:r>
-              <a:rPr lang="en" sz="1200"/>
+              <a:rPr lang="en" sz="1400" dirty="0"/>
               <a:t>   (‘@username’)</a:t>
             </a:r>
-            <a:endParaRPr sz="1200"/>
+            <a:endParaRPr sz="1400" dirty="0"/>
           </a:p>
           <a:p>
             <a:pPr marL="457200" lvl="0" indent="-304800" algn="l" rtl="0">
@@ -16634,18 +17608,18 @@
               <a:buAutoNum type="arabicPeriod"/>
             </a:pPr>
             <a:r>
-              <a:rPr lang="en" sz="1200"/>
+              <a:rPr lang="en" sz="1400" dirty="0"/>
               <a:t>eliminarea </a:t>
             </a:r>
             <a:r>
-              <a:rPr lang="en" sz="1200" i="1"/>
+              <a:rPr lang="en" sz="1400" i="1" dirty="0"/>
               <a:t>hashtag</a:t>
             </a:r>
             <a:r>
-              <a:rPr lang="en" sz="1200"/>
+              <a:rPr lang="en" sz="1400" dirty="0"/>
               <a:t>-urilor   (‘#obama’ -&gt; ‘obama’)</a:t>
             </a:r>
-            <a:endParaRPr sz="1200"/>
+            <a:endParaRPr sz="1400" dirty="0"/>
           </a:p>
           <a:p>
             <a:pPr marL="457200" lvl="0" indent="-304800" algn="l" rtl="0">
@@ -16659,18 +17633,18 @@
               <a:buAutoNum type="arabicPeriod"/>
             </a:pPr>
             <a:r>
-              <a:rPr lang="en" sz="1200"/>
+              <a:rPr lang="en" sz="1400" dirty="0"/>
               <a:t>eliminarea </a:t>
             </a:r>
             <a:r>
-              <a:rPr lang="en" sz="1200" i="1"/>
+              <a:rPr lang="en" sz="1400" i="1" dirty="0"/>
               <a:t>literelor repetate</a:t>
             </a:r>
             <a:r>
-              <a:rPr lang="en" sz="1200"/>
+              <a:rPr lang="en" sz="1400" dirty="0"/>
               <a:t>   (‘goooood’ -&gt; ‘good’)</a:t>
             </a:r>
-            <a:endParaRPr sz="1200"/>
+            <a:endParaRPr sz="1400" dirty="0"/>
           </a:p>
           <a:p>
             <a:pPr marL="457200" lvl="0" indent="-304800" algn="l" rtl="0">
@@ -16684,14 +17658,14 @@
               <a:buAutoNum type="arabicPeriod"/>
             </a:pPr>
             <a:r>
-              <a:rPr lang="en" sz="1200"/>
+              <a:rPr lang="en" sz="1400" dirty="0"/>
               <a:t>eliminarea </a:t>
             </a:r>
             <a:r>
-              <a:rPr lang="en" sz="1200" i="1"/>
+              <a:rPr lang="en" sz="1400" i="1" dirty="0"/>
               <a:t>cifrelor</a:t>
             </a:r>
-            <a:endParaRPr sz="1200" i="1"/>
+            <a:endParaRPr sz="1400" i="1" dirty="0"/>
           </a:p>
           <a:p>
             <a:pPr marL="457200" lvl="0" indent="-304800" algn="l" rtl="0">
@@ -16705,14 +17679,14 @@
               <a:buAutoNum type="arabicPeriod"/>
             </a:pPr>
             <a:r>
-              <a:rPr lang="en" sz="1200"/>
+              <a:rPr lang="en" sz="1400" dirty="0"/>
               <a:t>eliminarea </a:t>
             </a:r>
             <a:r>
-              <a:rPr lang="en" sz="1200" i="1"/>
+              <a:rPr lang="en" sz="1400" i="1" dirty="0"/>
               <a:t>semnelor de punctuatie</a:t>
             </a:r>
-            <a:endParaRPr sz="1200" i="1"/>
+            <a:endParaRPr sz="1400" i="1" dirty="0"/>
           </a:p>
           <a:p>
             <a:pPr marL="457200" lvl="0" indent="-304800" algn="l" rtl="0">
@@ -16726,18 +17700,18 @@
               <a:buAutoNum type="arabicPeriod"/>
             </a:pPr>
             <a:r>
-              <a:rPr lang="en" sz="1200"/>
+              <a:rPr lang="en" sz="1400" dirty="0"/>
               <a:t>eliminarea </a:t>
             </a:r>
             <a:r>
-              <a:rPr lang="en" sz="1200" i="1"/>
+              <a:rPr lang="en" sz="1400" i="1" dirty="0"/>
               <a:t>spatiilor   </a:t>
             </a:r>
             <a:r>
-              <a:rPr lang="en" sz="1200"/>
+              <a:rPr lang="en" sz="1400" dirty="0"/>
               <a:t>(space, tab, newline)</a:t>
             </a:r>
-            <a:endParaRPr sz="1200"/>
+            <a:endParaRPr sz="1400" dirty="0"/>
           </a:p>
           <a:p>
             <a:pPr marL="457200" lvl="0" indent="-304800" algn="l" rtl="0">
@@ -16751,18 +17725,18 @@
               <a:buAutoNum type="arabicPeriod"/>
             </a:pPr>
             <a:r>
-              <a:rPr lang="en" sz="1200"/>
+              <a:rPr lang="en" sz="1400" dirty="0"/>
               <a:t>eliminarea </a:t>
             </a:r>
             <a:r>
-              <a:rPr lang="en" sz="1200" i="1"/>
+              <a:rPr lang="en" sz="1400" i="1" dirty="0"/>
               <a:t>stopwords   </a:t>
             </a:r>
             <a:r>
-              <a:rPr lang="en" sz="1200"/>
+              <a:rPr lang="en" sz="1400" dirty="0"/>
               <a:t>(‘and’, ‘the’, ‘of’ etc.)</a:t>
             </a:r>
-            <a:endParaRPr sz="1200"/>
+            <a:endParaRPr sz="1400" dirty="0"/>
           </a:p>
           <a:p>
             <a:pPr marL="457200" lvl="0" indent="-304800" algn="l" rtl="0">
@@ -16776,14 +17750,14 @@
               <a:buAutoNum type="arabicPeriod"/>
             </a:pPr>
             <a:r>
-              <a:rPr lang="en" sz="1200"/>
+              <a:rPr lang="en" sz="1400" dirty="0"/>
               <a:t>aducerea caracterelor la </a:t>
             </a:r>
             <a:r>
-              <a:rPr lang="en" sz="1200" i="1"/>
+              <a:rPr lang="en" sz="1400" i="1" dirty="0"/>
               <a:t>encoding UTF-8</a:t>
             </a:r>
-            <a:endParaRPr sz="1200" i="1"/>
+            <a:endParaRPr sz="1400" i="1" dirty="0"/>
           </a:p>
           <a:p>
             <a:pPr marL="457200" lvl="0" indent="-304800" algn="l" rtl="0">
@@ -16797,14 +17771,14 @@
               <a:buAutoNum type="arabicPeriod"/>
             </a:pPr>
             <a:r>
-              <a:rPr lang="en" sz="1200" i="1"/>
+              <a:rPr lang="en" sz="1400" i="1" dirty="0"/>
               <a:t>lematizarea </a:t>
             </a:r>
             <a:r>
-              <a:rPr lang="en" sz="1200"/>
+              <a:rPr lang="en" sz="1400" dirty="0"/>
               <a:t>cuvintelor   (‘abducting’ -&gt; ‘abduct’)</a:t>
             </a:r>
-            <a:endParaRPr sz="1200"/>
+            <a:endParaRPr sz="1400" dirty="0"/>
           </a:p>
         </p:txBody>
       </p:sp>
@@ -16823,8 +17797,8 @@
         </p:blipFill>
         <p:spPr>
           <a:xfrm>
-            <a:off x="6125450" y="1595700"/>
-            <a:ext cx="2208900" cy="1216800"/>
+            <a:off x="5566478" y="1534425"/>
+            <a:ext cx="2767822" cy="1482152"/>
           </a:xfrm>
           <a:prstGeom prst="roundRect">
             <a:avLst>
@@ -16852,8 +17826,8 @@
         </p:blipFill>
         <p:spPr>
           <a:xfrm>
-            <a:off x="6125538" y="3300613"/>
-            <a:ext cx="2208900" cy="1262400"/>
+            <a:off x="5566340" y="3411803"/>
+            <a:ext cx="2767960" cy="1445783"/>
           </a:xfrm>
           <a:prstGeom prst="roundRect">
             <a:avLst>
@@ -16932,7 +17906,7 @@
         </p:nvSpPr>
         <p:spPr>
           <a:xfrm>
-            <a:off x="6773475" y="2931325"/>
+            <a:off x="6773474" y="3042503"/>
             <a:ext cx="985478" cy="369300"/>
           </a:xfrm>
           <a:prstGeom prst="rect">
@@ -17069,8 +18043,8 @@
         </p:nvSpPr>
         <p:spPr>
           <a:xfrm>
-            <a:off x="1089200" y="1990050"/>
-            <a:ext cx="3645000" cy="2541600"/>
+            <a:off x="420492" y="2024286"/>
+            <a:ext cx="4044717" cy="2721250"/>
           </a:xfrm>
           <a:prstGeom prst="rect">
             <a:avLst/>
@@ -17078,11 +18052,11 @@
         </p:spPr>
         <p:txBody>
           <a:bodyPr spcFirstLastPara="1" wrap="square" lIns="91425" tIns="91425" rIns="91425" bIns="91425" anchor="t" anchorCtr="0">
-            <a:normAutofit fontScale="92500"/>
+            <a:normAutofit/>
           </a:bodyPr>
           <a:lstStyle/>
           <a:p>
-            <a:pPr marL="0" lvl="0" indent="0" algn="l" rtl="0">
+            <a:pPr marL="0" lvl="0" indent="0" algn="just" rtl="0">
               <a:spcBef>
                 <a:spcPts val="0"/>
               </a:spcBef>
@@ -17092,57 +18066,57 @@
               <a:buNone/>
             </a:pPr>
             <a:r>
-              <a:rPr lang="en" b="1"/>
+              <a:rPr lang="en" sz="1200" b="1" dirty="0"/>
               <a:t>T</a:t>
             </a:r>
             <a:r>
-              <a:rPr lang="en"/>
+              <a:rPr lang="en" sz="1200" dirty="0"/>
               <a:t>erm </a:t>
             </a:r>
             <a:r>
-              <a:rPr lang="en" b="1"/>
+              <a:rPr lang="en" sz="1200" b="1" dirty="0"/>
               <a:t>f</a:t>
             </a:r>
             <a:r>
-              <a:rPr lang="en"/>
+              <a:rPr lang="en" sz="1200" dirty="0"/>
               <a:t>requency </a:t>
             </a:r>
             <a:r>
-              <a:rPr lang="en" b="1"/>
+              <a:rPr lang="en" sz="1200" b="1" dirty="0"/>
               <a:t>-</a:t>
             </a:r>
             <a:r>
-              <a:rPr lang="en"/>
+              <a:rPr lang="en" sz="1200" dirty="0"/>
               <a:t> </a:t>
             </a:r>
             <a:r>
-              <a:rPr lang="en" b="1"/>
+              <a:rPr lang="en" sz="1200" b="1" dirty="0"/>
               <a:t>I</a:t>
             </a:r>
             <a:r>
-              <a:rPr lang="en"/>
+              <a:rPr lang="en" sz="1200" dirty="0"/>
               <a:t>nverse </a:t>
             </a:r>
             <a:r>
-              <a:rPr lang="en" b="1"/>
+              <a:rPr lang="en" sz="1200" b="1" dirty="0"/>
               <a:t>d</a:t>
             </a:r>
             <a:r>
-              <a:rPr lang="en"/>
+              <a:rPr lang="en" sz="1200" dirty="0"/>
               <a:t>ocument </a:t>
             </a:r>
             <a:r>
-              <a:rPr lang="en" b="1"/>
+              <a:rPr lang="en" sz="1200" b="1" dirty="0"/>
               <a:t>f</a:t>
             </a:r>
             <a:r>
-              <a:rPr lang="en"/>
+              <a:rPr lang="en" sz="1200" dirty="0"/>
               <a:t>requency este un mod de extragere a feature-urilor ce evalueaza importanta fiecarui cuvant din corpus, in relatie cu numarul sau de aparitii in fiecare document.</a:t>
             </a:r>
-            <a:endParaRPr/>
+            <a:endParaRPr sz="1200" dirty="0"/>
           </a:p>
           <a:p>
-            <a:pPr marL="0" lvl="0" indent="0" algn="l" rtl="0">
+            <a:pPr marL="0" lvl="0" indent="0" algn="just" rtl="0">
               <a:spcBef>
                 <a:spcPts val="1200"/>
               </a:spcBef>
@@ -17152,13 +18126,13 @@
               <a:buNone/>
             </a:pPr>
             <a:r>
-              <a:rPr lang="en"/>
+              <a:rPr lang="en" sz="1200" dirty="0"/>
               <a:t>Spre exemplu, cuvinte precum ‘the’ sau ‘is’ au o importanta mult mai mica fata de ‘blacklives’ intr-un corpus de hate-speech.</a:t>
             </a:r>
-            <a:endParaRPr/>
+            <a:endParaRPr sz="1200" dirty="0"/>
           </a:p>
           <a:p>
-            <a:pPr marL="0" lvl="0" indent="0" algn="l" rtl="0">
+            <a:pPr marL="0" lvl="0" indent="0" algn="just" rtl="0">
               <a:spcBef>
                 <a:spcPts val="1200"/>
               </a:spcBef>
@@ -17168,10 +18142,10 @@
               <a:buNone/>
             </a:pPr>
             <a:r>
-              <a:rPr lang="en"/>
+              <a:rPr lang="en" sz="1200" dirty="0"/>
               <a:t>Tf-Idf nu ia in considerare contextul in care regasim cuvintele in propozitie.</a:t>
             </a:r>
-            <a:endParaRPr/>
+            <a:endParaRPr sz="1200" dirty="0"/>
           </a:p>
         </p:txBody>
       </p:sp>
@@ -17187,8 +18161,8 @@
         </p:nvSpPr>
         <p:spPr>
           <a:xfrm>
-            <a:off x="4903650" y="1989925"/>
-            <a:ext cx="3430500" cy="2541600"/>
+            <a:off x="4792257" y="1989924"/>
+            <a:ext cx="3931251" cy="2755611"/>
           </a:xfrm>
           <a:prstGeom prst="rect">
             <a:avLst/>
@@ -17196,11 +18170,11 @@
         </p:spPr>
         <p:txBody>
           <a:bodyPr spcFirstLastPara="1" wrap="square" lIns="91425" tIns="91425" rIns="91425" bIns="91425" anchor="t" anchorCtr="0">
-            <a:normAutofit fontScale="92500"/>
+            <a:normAutofit/>
           </a:bodyPr>
           <a:lstStyle/>
           <a:p>
-            <a:pPr marL="0" lvl="0" indent="0" algn="l" rtl="0">
+            <a:pPr marL="0" lvl="0" indent="0" algn="just" rtl="0">
               <a:spcBef>
                 <a:spcPts val="0"/>
               </a:spcBef>
@@ -17210,41 +18184,41 @@
               <a:buNone/>
             </a:pPr>
             <a:r>
-              <a:rPr lang="en" b="1"/>
+              <a:rPr lang="en" sz="1200" b="1" dirty="0"/>
               <a:t>C</a:t>
             </a:r>
             <a:r>
-              <a:rPr lang="en"/>
+              <a:rPr lang="en" sz="1200" dirty="0"/>
               <a:t>ontinuous </a:t>
             </a:r>
             <a:r>
-              <a:rPr lang="en" b="1"/>
+              <a:rPr lang="en" sz="1200" b="1" dirty="0"/>
               <a:t>B</a:t>
             </a:r>
             <a:r>
-              <a:rPr lang="en"/>
+              <a:rPr lang="en" sz="1200" dirty="0"/>
               <a:t>ag </a:t>
             </a:r>
             <a:r>
-              <a:rPr lang="en" b="1"/>
+              <a:rPr lang="en" sz="1200" b="1" dirty="0"/>
               <a:t>o</a:t>
             </a:r>
             <a:r>
-              <a:rPr lang="en"/>
+              <a:rPr lang="en" sz="1200" dirty="0"/>
               <a:t>f </a:t>
             </a:r>
             <a:r>
-              <a:rPr lang="en" b="1"/>
+              <a:rPr lang="en" sz="1200" b="1" dirty="0"/>
               <a:t>W</a:t>
             </a:r>
             <a:r>
-              <a:rPr lang="en"/>
+              <a:rPr lang="en" sz="1200" dirty="0"/>
               <a:t>ords este o metoda de extragere a feature-urilor ce utilizeaza o retea neuronala pre-antrenata cu 2 layere, care reconstruieste contextul cuvintelor primite ca input dupa vectorii creati in urma antrenarii.</a:t>
             </a:r>
-            <a:endParaRPr/>
+            <a:endParaRPr sz="1200" dirty="0"/>
           </a:p>
           <a:p>
-            <a:pPr marL="0" lvl="0" indent="0" algn="l" rtl="0">
+            <a:pPr marL="0" lvl="0" indent="0" algn="just" rtl="0">
               <a:spcBef>
                 <a:spcPts val="1200"/>
               </a:spcBef>
@@ -17254,10 +18228,10 @@
               <a:buNone/>
             </a:pPr>
             <a:r>
-              <a:rPr lang="en"/>
-              <a:t>Aceasta ajusteaza n-vectorii, astfel incat cuvintele gasite in contexte similare apar apropiate unele de altele in spatiul vectorial creat la antrenare.</a:t>
-            </a:r>
-            <a:endParaRPr/>
+              <a:rPr lang="en" sz="1200" dirty="0"/>
+              <a:t>Aceasta ajusteaza n-vectori, astfel incat cuvintele gasite in contexte similare apar apropiate unele de altele in spatiul vectorial creat la antrenare.</a:t>
+            </a:r>
+            <a:endParaRPr sz="1200" dirty="0"/>
           </a:p>
         </p:txBody>
       </p:sp>
@@ -17269,7 +18243,7 @@
         </p:nvSpPr>
         <p:spPr>
           <a:xfrm>
-            <a:off x="2291875" y="1497650"/>
+            <a:off x="2060800" y="1497650"/>
             <a:ext cx="764100" cy="446400"/>
           </a:xfrm>
           <a:prstGeom prst="rect">
@@ -17327,7 +18301,7 @@
         </p:nvSpPr>
         <p:spPr>
           <a:xfrm>
-            <a:off x="6195900" y="1497650"/>
+            <a:off x="6334882" y="1473525"/>
             <a:ext cx="846000" cy="446400"/>
           </a:xfrm>
           <a:prstGeom prst="rect">
@@ -17354,7 +18328,7 @@
               <a:buNone/>
             </a:pPr>
             <a:r>
-              <a:rPr lang="en" sz="1700" b="1">
+              <a:rPr lang="en" sz="1700" b="1" dirty="0">
                 <a:solidFill>
                   <a:srgbClr val="434343"/>
                 </a:solidFill>
@@ -17365,7 +18339,7 @@
               </a:rPr>
               <a:t>CBoW</a:t>
             </a:r>
-            <a:endParaRPr sz="1700" b="1">
+            <a:endParaRPr sz="1700" b="1" dirty="0">
               <a:solidFill>
                 <a:srgbClr val="434343"/>
               </a:solidFill>
@@ -17704,7 +18678,7 @@
             </a:pPr>
             <a:r>
               <a:rPr lang="en" sz="1400" b="1" dirty="0"/>
-              <a:t>Deep neural network</a:t>
+              <a:t>Deep Neural Network</a:t>
             </a:r>
             <a:r>
               <a:rPr lang="en" sz="1400" dirty="0"/>
@@ -17731,6 +18705,304 @@
 </file>
 
 <file path=ppt/slides/slide7.xml><?xml version="1.0" encoding="utf-8"?>
+<p:sld xmlns:a="http://schemas.openxmlformats.org/drawingml/2006/main" xmlns:r="http://schemas.openxmlformats.org/officeDocument/2006/relationships" xmlns:p="http://schemas.openxmlformats.org/presentationml/2006/main">
+  <p:cSld>
+    <p:bg>
+      <p:bgPr>
+        <a:solidFill>
+          <a:srgbClr val="D0E0E3"/>
+        </a:solidFill>
+        <a:effectLst/>
+      </p:bgPr>
+    </p:bg>
+    <p:spTree>
+      <p:nvGrpSpPr>
+        <p:cNvPr id="1" name="Shape 331"/>
+        <p:cNvGrpSpPr/>
+        <p:nvPr/>
+      </p:nvGrpSpPr>
+      <p:grpSpPr>
+        <a:xfrm>
+          <a:off x="0" y="0"/>
+          <a:ext cx="0" cy="0"/>
+          <a:chOff x="0" y="0"/>
+          <a:chExt cx="0" cy="0"/>
+        </a:xfrm>
+      </p:grpSpPr>
+      <p:sp>
+        <p:nvSpPr>
+          <p:cNvPr id="332" name="Google Shape;332;p20"/>
+          <p:cNvSpPr txBox="1">
+            <a:spLocks noGrp="1"/>
+          </p:cNvSpPr>
+          <p:nvPr>
+            <p:ph type="title"/>
+          </p:nvPr>
+        </p:nvSpPr>
+        <p:spPr>
+          <a:xfrm>
+            <a:off x="1303800" y="598575"/>
+            <a:ext cx="7030500" cy="999300"/>
+          </a:xfrm>
+          <a:prstGeom prst="rect">
+            <a:avLst/>
+          </a:prstGeom>
+        </p:spPr>
+        <p:txBody>
+          <a:bodyPr spcFirstLastPara="1" wrap="square" lIns="91425" tIns="91425" rIns="91425" bIns="91425" anchor="t" anchorCtr="0">
+            <a:normAutofit/>
+          </a:bodyPr>
+          <a:lstStyle/>
+          <a:p>
+            <a:pPr marL="0" lvl="0" indent="0" algn="l" rtl="0">
+              <a:spcBef>
+                <a:spcPts val="0"/>
+              </a:spcBef>
+              <a:spcAft>
+                <a:spcPts val="0"/>
+              </a:spcAft>
+              <a:buNone/>
+            </a:pPr>
+            <a:r>
+              <a:rPr lang="en" sz="2800" b="1" dirty="0"/>
+              <a:t>Deep Neural Network</a:t>
+            </a:r>
+            <a:endParaRPr dirty="0"/>
+          </a:p>
+        </p:txBody>
+      </p:sp>
+      <p:sp>
+        <p:nvSpPr>
+          <p:cNvPr id="333" name="Google Shape;333;p20"/>
+          <p:cNvSpPr txBox="1">
+            <a:spLocks noGrp="1"/>
+          </p:cNvSpPr>
+          <p:nvPr>
+            <p:ph type="body" idx="1"/>
+          </p:nvPr>
+        </p:nvSpPr>
+        <p:spPr>
+          <a:xfrm>
+            <a:off x="1303800" y="1367225"/>
+            <a:ext cx="6749700" cy="1563900"/>
+          </a:xfrm>
+          <a:prstGeom prst="rect">
+            <a:avLst/>
+          </a:prstGeom>
+        </p:spPr>
+        <p:txBody>
+          <a:bodyPr spcFirstLastPara="1" wrap="square" lIns="91425" tIns="91425" rIns="91425" bIns="91425" anchor="t" anchorCtr="0">
+            <a:normAutofit/>
+          </a:bodyPr>
+          <a:lstStyle/>
+          <a:p>
+            <a:pPr marL="0" lvl="0" indent="457200" algn="just" rtl="0">
+              <a:spcBef>
+                <a:spcPts val="0"/>
+              </a:spcBef>
+              <a:spcAft>
+                <a:spcPts val="0"/>
+              </a:spcAft>
+              <a:buNone/>
+            </a:pPr>
+            <a:r>
+              <a:rPr lang="en" sz="1200" dirty="0"/>
+              <a:t>Pentru clasificarea datelor, am folosit un model Deep Neural Network, layerele fiind de natura 300 x 256 x 256 x 2 (300 fiind dimensiunea unui feature, iar 2 este pentru outputul binar: hate, non-hate).</a:t>
+            </a:r>
+            <a:endParaRPr sz="1200" dirty="0"/>
+          </a:p>
+          <a:p>
+            <a:pPr marL="0" lvl="0" indent="457200" algn="just" rtl="0">
+              <a:spcBef>
+                <a:spcPts val="1200"/>
+              </a:spcBef>
+              <a:spcAft>
+                <a:spcPts val="1200"/>
+              </a:spcAft>
+              <a:buNone/>
+            </a:pPr>
+            <a:r>
+              <a:rPr lang="en" sz="1200" dirty="0"/>
+              <a:t>Am folosit CrossEntropyLoss pe post de functie de pierdere si functia Adam pentru optimizarea modelului cu learning_rate = 0.001.</a:t>
+            </a:r>
+            <a:endParaRPr sz="1200" dirty="0"/>
+          </a:p>
+        </p:txBody>
+      </p:sp>
+      <p:pic>
+        <p:nvPicPr>
+          <p:cNvPr id="334" name="Google Shape;334;p20"/>
+          <p:cNvPicPr preferRelativeResize="0"/>
+          <p:nvPr/>
+        </p:nvPicPr>
+        <p:blipFill>
+          <a:blip r:embed="rId3">
+            <a:alphaModFix/>
+          </a:blip>
+          <a:stretch>
+            <a:fillRect/>
+          </a:stretch>
+        </p:blipFill>
+        <p:spPr>
+          <a:xfrm>
+            <a:off x="4908450" y="2892538"/>
+            <a:ext cx="2416500" cy="1978500"/>
+          </a:xfrm>
+          <a:prstGeom prst="roundRect">
+            <a:avLst>
+              <a:gd name="adj" fmla="val 1748"/>
+            </a:avLst>
+          </a:prstGeom>
+          <a:noFill/>
+          <a:ln>
+            <a:noFill/>
+          </a:ln>
+        </p:spPr>
+      </p:pic>
+      <p:pic>
+        <p:nvPicPr>
+          <p:cNvPr id="335" name="Google Shape;335;p20"/>
+          <p:cNvPicPr preferRelativeResize="0"/>
+          <p:nvPr/>
+        </p:nvPicPr>
+        <p:blipFill>
+          <a:blip r:embed="rId4">
+            <a:alphaModFix/>
+          </a:blip>
+          <a:stretch>
+            <a:fillRect/>
+          </a:stretch>
+        </p:blipFill>
+        <p:spPr>
+          <a:xfrm>
+            <a:off x="1992275" y="3291912"/>
+            <a:ext cx="2607300" cy="1179600"/>
+          </a:xfrm>
+          <a:prstGeom prst="roundRect">
+            <a:avLst>
+              <a:gd name="adj" fmla="val 2825"/>
+            </a:avLst>
+          </a:prstGeom>
+          <a:noFill/>
+          <a:ln>
+            <a:noFill/>
+          </a:ln>
+        </p:spPr>
+      </p:pic>
+    </p:spTree>
+  </p:cSld>
+  <p:clrMapOvr>
+    <a:masterClrMapping/>
+  </p:clrMapOvr>
+</p:sld>
+</file>
+
+<file path=ppt/slides/slide8.xml><?xml version="1.0" encoding="utf-8"?>
+<p:sld xmlns:a="http://schemas.openxmlformats.org/drawingml/2006/main" xmlns:r="http://schemas.openxmlformats.org/officeDocument/2006/relationships" xmlns:p="http://schemas.openxmlformats.org/presentationml/2006/main">
+  <p:cSld>
+    <p:bg>
+      <p:bgPr>
+        <a:solidFill>
+          <a:srgbClr val="D0E0E3"/>
+        </a:solidFill>
+        <a:effectLst/>
+      </p:bgPr>
+    </p:bg>
+    <p:spTree>
+      <p:nvGrpSpPr>
+        <p:cNvPr id="1" name="Shape 339"/>
+        <p:cNvGrpSpPr/>
+        <p:nvPr/>
+      </p:nvGrpSpPr>
+      <p:grpSpPr>
+        <a:xfrm>
+          <a:off x="0" y="0"/>
+          <a:ext cx="0" cy="0"/>
+          <a:chOff x="0" y="0"/>
+          <a:chExt cx="0" cy="0"/>
+        </a:xfrm>
+      </p:grpSpPr>
+      <p:sp>
+        <p:nvSpPr>
+          <p:cNvPr id="340" name="Google Shape;340;p21"/>
+          <p:cNvSpPr txBox="1">
+            <a:spLocks noGrp="1"/>
+          </p:cNvSpPr>
+          <p:nvPr>
+            <p:ph type="title"/>
+          </p:nvPr>
+        </p:nvSpPr>
+        <p:spPr>
+          <a:xfrm>
+            <a:off x="1303800" y="598575"/>
+            <a:ext cx="7030500" cy="999300"/>
+          </a:xfrm>
+          <a:prstGeom prst="rect">
+            <a:avLst/>
+          </a:prstGeom>
+        </p:spPr>
+        <p:txBody>
+          <a:bodyPr spcFirstLastPara="1" wrap="square" lIns="91425" tIns="91425" rIns="91425" bIns="91425" anchor="t" anchorCtr="0">
+            <a:normAutofit/>
+          </a:bodyPr>
+          <a:lstStyle/>
+          <a:p>
+            <a:pPr marL="0" lvl="0" indent="0" algn="l" rtl="0">
+              <a:spcBef>
+                <a:spcPts val="0"/>
+              </a:spcBef>
+              <a:spcAft>
+                <a:spcPts val="0"/>
+              </a:spcAft>
+              <a:buNone/>
+            </a:pPr>
+            <a:r>
+              <a:rPr lang="en"/>
+              <a:t>Reprezentare</a:t>
+            </a:r>
+            <a:endParaRPr/>
+          </a:p>
+        </p:txBody>
+      </p:sp>
+      <p:pic>
+        <p:nvPicPr>
+          <p:cNvPr id="3" name="Picture 2">
+            <a:extLst>
+              <a:ext uri="{FF2B5EF4-FFF2-40B4-BE49-F238E27FC236}">
+                <a16:creationId xmlns:a16="http://schemas.microsoft.com/office/drawing/2014/main" id="{AD7D547F-2FA1-2DEC-604B-46D318E20009}"/>
+              </a:ext>
+            </a:extLst>
+          </p:cNvPr>
+          <p:cNvPicPr>
+            <a:picLocks noChangeAspect="1"/>
+          </p:cNvPicPr>
+          <p:nvPr/>
+        </p:nvPicPr>
+        <p:blipFill>
+          <a:blip r:embed="rId3"/>
+          <a:stretch>
+            <a:fillRect/>
+          </a:stretch>
+        </p:blipFill>
+        <p:spPr>
+          <a:xfrm>
+            <a:off x="1354690" y="1597875"/>
+            <a:ext cx="6434619" cy="2924827"/>
+          </a:xfrm>
+          <a:prstGeom prst="rect">
+            <a:avLst/>
+          </a:prstGeom>
+        </p:spPr>
+      </p:pic>
+    </p:spTree>
+  </p:cSld>
+  <p:clrMapOvr>
+    <a:masterClrMapping/>
+  </p:clrMapOvr>
+</p:sld>
+</file>
+
+<file path=ppt/slides/slide9.xml><?xml version="1.0" encoding="utf-8"?>
 <p:sld xmlns:a="http://schemas.openxmlformats.org/drawingml/2006/main" xmlns:r="http://schemas.openxmlformats.org/officeDocument/2006/relationships" xmlns:p="http://schemas.openxmlformats.org/presentationml/2006/main">
   <p:cSld>
     <p:bg>
@@ -18080,304 +19352,6 @@
           </a:p>
         </p:txBody>
       </p:sp>
-    </p:spTree>
-  </p:cSld>
-  <p:clrMapOvr>
-    <a:masterClrMapping/>
-  </p:clrMapOvr>
-</p:sld>
-</file>
-
-<file path=ppt/slides/slide8.xml><?xml version="1.0" encoding="utf-8"?>
-<p:sld xmlns:a="http://schemas.openxmlformats.org/drawingml/2006/main" xmlns:r="http://schemas.openxmlformats.org/officeDocument/2006/relationships" xmlns:p="http://schemas.openxmlformats.org/presentationml/2006/main">
-  <p:cSld>
-    <p:bg>
-      <p:bgPr>
-        <a:solidFill>
-          <a:srgbClr val="D0E0E3"/>
-        </a:solidFill>
-        <a:effectLst/>
-      </p:bgPr>
-    </p:bg>
-    <p:spTree>
-      <p:nvGrpSpPr>
-        <p:cNvPr id="1" name="Shape 331"/>
-        <p:cNvGrpSpPr/>
-        <p:nvPr/>
-      </p:nvGrpSpPr>
-      <p:grpSpPr>
-        <a:xfrm>
-          <a:off x="0" y="0"/>
-          <a:ext cx="0" cy="0"/>
-          <a:chOff x="0" y="0"/>
-          <a:chExt cx="0" cy="0"/>
-        </a:xfrm>
-      </p:grpSpPr>
-      <p:sp>
-        <p:nvSpPr>
-          <p:cNvPr id="332" name="Google Shape;332;p20"/>
-          <p:cNvSpPr txBox="1">
-            <a:spLocks noGrp="1"/>
-          </p:cNvSpPr>
-          <p:nvPr>
-            <p:ph type="title"/>
-          </p:nvPr>
-        </p:nvSpPr>
-        <p:spPr>
-          <a:xfrm>
-            <a:off x="1303800" y="598575"/>
-            <a:ext cx="7030500" cy="999300"/>
-          </a:xfrm>
-          <a:prstGeom prst="rect">
-            <a:avLst/>
-          </a:prstGeom>
-        </p:spPr>
-        <p:txBody>
-          <a:bodyPr spcFirstLastPara="1" wrap="square" lIns="91425" tIns="91425" rIns="91425" bIns="91425" anchor="t" anchorCtr="0">
-            <a:normAutofit/>
-          </a:bodyPr>
-          <a:lstStyle/>
-          <a:p>
-            <a:pPr marL="0" lvl="0" indent="0" algn="l" rtl="0">
-              <a:spcBef>
-                <a:spcPts val="0"/>
-              </a:spcBef>
-              <a:spcAft>
-                <a:spcPts val="0"/>
-              </a:spcAft>
-              <a:buNone/>
-            </a:pPr>
-            <a:r>
-              <a:rPr lang="en"/>
-              <a:t>6. State of the Art</a:t>
-            </a:r>
-            <a:endParaRPr/>
-          </a:p>
-        </p:txBody>
-      </p:sp>
-      <p:sp>
-        <p:nvSpPr>
-          <p:cNvPr id="333" name="Google Shape;333;p20"/>
-          <p:cNvSpPr txBox="1">
-            <a:spLocks noGrp="1"/>
-          </p:cNvSpPr>
-          <p:nvPr>
-            <p:ph type="body" idx="1"/>
-          </p:nvPr>
-        </p:nvSpPr>
-        <p:spPr>
-          <a:xfrm>
-            <a:off x="1584600" y="1367225"/>
-            <a:ext cx="6468900" cy="1563900"/>
-          </a:xfrm>
-          <a:prstGeom prst="rect">
-            <a:avLst/>
-          </a:prstGeom>
-        </p:spPr>
-        <p:txBody>
-          <a:bodyPr spcFirstLastPara="1" wrap="square" lIns="91425" tIns="91425" rIns="91425" bIns="91425" anchor="t" anchorCtr="0">
-            <a:normAutofit/>
-          </a:bodyPr>
-          <a:lstStyle/>
-          <a:p>
-            <a:pPr marL="0" lvl="0" indent="457200" algn="l" rtl="0">
-              <a:spcBef>
-                <a:spcPts val="0"/>
-              </a:spcBef>
-              <a:spcAft>
-                <a:spcPts val="0"/>
-              </a:spcAft>
-              <a:buNone/>
-            </a:pPr>
-            <a:r>
-              <a:rPr lang="en" sz="1200" dirty="0"/>
-              <a:t>Pentru clasificarea datelor, am folosit un model Deep Neural Network, layerele fiind de natura 300 x 256 x 256 x 2 (300 fiind dimensiunea unui feature, iar 2 este pentru outputul binar: hate, non-hate).</a:t>
-            </a:r>
-            <a:endParaRPr sz="1200" dirty="0"/>
-          </a:p>
-          <a:p>
-            <a:pPr marL="0" lvl="0" indent="457200" algn="l" rtl="0">
-              <a:spcBef>
-                <a:spcPts val="1200"/>
-              </a:spcBef>
-              <a:spcAft>
-                <a:spcPts val="1200"/>
-              </a:spcAft>
-              <a:buNone/>
-            </a:pPr>
-            <a:r>
-              <a:rPr lang="en" sz="1200" dirty="0"/>
-              <a:t>Am folosit CrossEntropyLoss pe post de functie de pierdere si functia Adam pentru optimizarea modelului cu learning_rate = 0.001.</a:t>
-            </a:r>
-            <a:endParaRPr sz="1200" dirty="0"/>
-          </a:p>
-        </p:txBody>
-      </p:sp>
-      <p:pic>
-        <p:nvPicPr>
-          <p:cNvPr id="334" name="Google Shape;334;p20"/>
-          <p:cNvPicPr preferRelativeResize="0"/>
-          <p:nvPr/>
-        </p:nvPicPr>
-        <p:blipFill>
-          <a:blip r:embed="rId3">
-            <a:alphaModFix/>
-          </a:blip>
-          <a:stretch>
-            <a:fillRect/>
-          </a:stretch>
-        </p:blipFill>
-        <p:spPr>
-          <a:xfrm>
-            <a:off x="4908450" y="2892538"/>
-            <a:ext cx="2416500" cy="1978500"/>
-          </a:xfrm>
-          <a:prstGeom prst="roundRect">
-            <a:avLst>
-              <a:gd name="adj" fmla="val 1748"/>
-            </a:avLst>
-          </a:prstGeom>
-          <a:noFill/>
-          <a:ln>
-            <a:noFill/>
-          </a:ln>
-        </p:spPr>
-      </p:pic>
-      <p:pic>
-        <p:nvPicPr>
-          <p:cNvPr id="335" name="Google Shape;335;p20"/>
-          <p:cNvPicPr preferRelativeResize="0"/>
-          <p:nvPr/>
-        </p:nvPicPr>
-        <p:blipFill>
-          <a:blip r:embed="rId4">
-            <a:alphaModFix/>
-          </a:blip>
-          <a:stretch>
-            <a:fillRect/>
-          </a:stretch>
-        </p:blipFill>
-        <p:spPr>
-          <a:xfrm>
-            <a:off x="1992275" y="3291912"/>
-            <a:ext cx="2607300" cy="1179600"/>
-          </a:xfrm>
-          <a:prstGeom prst="roundRect">
-            <a:avLst>
-              <a:gd name="adj" fmla="val 2825"/>
-            </a:avLst>
-          </a:prstGeom>
-          <a:noFill/>
-          <a:ln>
-            <a:noFill/>
-          </a:ln>
-        </p:spPr>
-      </p:pic>
-    </p:spTree>
-  </p:cSld>
-  <p:clrMapOvr>
-    <a:masterClrMapping/>
-  </p:clrMapOvr>
-</p:sld>
-</file>
-
-<file path=ppt/slides/slide9.xml><?xml version="1.0" encoding="utf-8"?>
-<p:sld xmlns:a="http://schemas.openxmlformats.org/drawingml/2006/main" xmlns:r="http://schemas.openxmlformats.org/officeDocument/2006/relationships" xmlns:p="http://schemas.openxmlformats.org/presentationml/2006/main">
-  <p:cSld>
-    <p:bg>
-      <p:bgPr>
-        <a:solidFill>
-          <a:srgbClr val="D0E0E3"/>
-        </a:solidFill>
-        <a:effectLst/>
-      </p:bgPr>
-    </p:bg>
-    <p:spTree>
-      <p:nvGrpSpPr>
-        <p:cNvPr id="1" name="Shape 339"/>
-        <p:cNvGrpSpPr/>
-        <p:nvPr/>
-      </p:nvGrpSpPr>
-      <p:grpSpPr>
-        <a:xfrm>
-          <a:off x="0" y="0"/>
-          <a:ext cx="0" cy="0"/>
-          <a:chOff x="0" y="0"/>
-          <a:chExt cx="0" cy="0"/>
-        </a:xfrm>
-      </p:grpSpPr>
-      <p:sp>
-        <p:nvSpPr>
-          <p:cNvPr id="340" name="Google Shape;340;p21"/>
-          <p:cNvSpPr txBox="1">
-            <a:spLocks noGrp="1"/>
-          </p:cNvSpPr>
-          <p:nvPr>
-            <p:ph type="title"/>
-          </p:nvPr>
-        </p:nvSpPr>
-        <p:spPr>
-          <a:xfrm>
-            <a:off x="1303800" y="598575"/>
-            <a:ext cx="7030500" cy="999300"/>
-          </a:xfrm>
-          <a:prstGeom prst="rect">
-            <a:avLst/>
-          </a:prstGeom>
-        </p:spPr>
-        <p:txBody>
-          <a:bodyPr spcFirstLastPara="1" wrap="square" lIns="91425" tIns="91425" rIns="91425" bIns="91425" anchor="t" anchorCtr="0">
-            <a:normAutofit/>
-          </a:bodyPr>
-          <a:lstStyle/>
-          <a:p>
-            <a:pPr marL="0" lvl="0" indent="0" algn="l" rtl="0">
-              <a:spcBef>
-                <a:spcPts val="0"/>
-              </a:spcBef>
-              <a:spcAft>
-                <a:spcPts val="0"/>
-              </a:spcAft>
-              <a:buNone/>
-            </a:pPr>
-            <a:r>
-              <a:rPr lang="en"/>
-              <a:t>Reprezentare</a:t>
-            </a:r>
-            <a:endParaRPr/>
-          </a:p>
-        </p:txBody>
-      </p:sp>
-      <p:pic>
-        <p:nvPicPr>
-          <p:cNvPr id="3" name="Picture 2">
-            <a:extLst>
-              <a:ext uri="{FF2B5EF4-FFF2-40B4-BE49-F238E27FC236}">
-                <a16:creationId xmlns:a16="http://schemas.microsoft.com/office/drawing/2014/main" id="{AD7D547F-2FA1-2DEC-604B-46D318E20009}"/>
-              </a:ext>
-            </a:extLst>
-          </p:cNvPr>
-          <p:cNvPicPr>
-            <a:picLocks noChangeAspect="1"/>
-          </p:cNvPicPr>
-          <p:nvPr/>
-        </p:nvPicPr>
-        <p:blipFill>
-          <a:blip r:embed="rId3"/>
-          <a:stretch>
-            <a:fillRect/>
-          </a:stretch>
-        </p:blipFill>
-        <p:spPr>
-          <a:xfrm>
-            <a:off x="1354690" y="1597875"/>
-            <a:ext cx="6434619" cy="2924827"/>
-          </a:xfrm>
-          <a:prstGeom prst="rect">
-            <a:avLst/>
-          </a:prstGeom>
-        </p:spPr>
-      </p:pic>
     </p:spTree>
   </p:cSld>
   <p:clrMapOvr>

--- a/Hate speech Analysis.pptx
+++ b/Hate speech Analysis.pptx
@@ -16519,7 +16519,7 @@
             </a:r>
             <a:r>
               <a:rPr lang="en-US" sz="1400" dirty="0"/>
-              <a:t> true negative vice versa. </a:t>
+              <a:t> false negative vice versa. </a:t>
             </a:r>
           </a:p>
           <a:p>
@@ -16797,7 +16797,39 @@
             </a:r>
             <a:r>
               <a:rPr lang="en-US" sz="1400" dirty="0"/>
-              <a:t> pe true negative) , </a:t>
+              <a:t> pe false negative </a:t>
+            </a:r>
+            <a:r>
+              <a:rPr lang="en-US" sz="1400" dirty="0" err="1"/>
+              <a:t>sau</a:t>
+            </a:r>
+            <a:r>
+              <a:rPr lang="en-US" sz="1400" dirty="0"/>
+              <a:t> </a:t>
+            </a:r>
+            <a:r>
+              <a:rPr lang="en-US" sz="1400" dirty="0" err="1"/>
+              <a:t>minimizand</a:t>
+            </a:r>
+            <a:r>
+              <a:rPr lang="en-US" sz="1400" dirty="0"/>
+              <a:t> false negative aka </a:t>
+            </a:r>
+            <a:r>
+              <a:rPr lang="en-US" sz="1400" dirty="0" err="1"/>
+              <a:t>maximizand</a:t>
+            </a:r>
+            <a:r>
+              <a:rPr lang="en-US" sz="1400" dirty="0"/>
+              <a:t> </a:t>
+            </a:r>
+            <a:r>
+              <a:rPr lang="en-US" sz="1400" dirty="0" err="1"/>
+              <a:t>recallul</a:t>
+            </a:r>
+            <a:r>
+              <a:rPr lang="en-US" sz="1400" dirty="0"/>
+              <a:t>) , </a:t>
             </a:r>
             <a:r>
               <a:rPr lang="en-US" sz="1400" dirty="0" err="1"/>
